--- a/sxsw.pptx
+++ b/sxsw.pptx
@@ -2714,6 +2714,26 @@
               <a:buNone/>
             </a:pPr>
             <a:r>
+              <a:rPr lang="en-US" altLang="en-US" sz="9600" b="1">
+                <a:ln>
+                  <a:noFill/>
+                </a:ln>
+                <a:solidFill>
+                  <a:schemeClr val="bg1"/>
+                </a:solidFill>
+                <a:effectLst>
+                  <a:outerShdw dist="114300" dir="18900000" algn="bl" rotWithShape="0">
+                    <a:srgbClr val="221E20">
+                      <a:alpha val="100000"/>
+                    </a:srgbClr>
+                  </a:outerShdw>
+                </a:effectLst>
+                <a:latin typeface="Ubuntu" panose="020B0604030602030204" charset="0"/>
+                <a:ea typeface="Ubuntu" panose="020B0604030602030204" charset="0"/>
+              </a:rPr>
+              <a:t>&gt; </a:t>
+            </a:r>
+            <a:r>
               <a:rPr lang="" altLang="en-US" sz="9600" b="1">
                 <a:ln>
                   <a:noFill/>
@@ -2731,9 +2751,29 @@
                 <a:latin typeface="Ubuntu" panose="020B0604030602030204" charset="0"/>
                 <a:ea typeface="Ubuntu" panose="020B0604030602030204" charset="0"/>
               </a:rPr>
-              <a:t>&gt; 5000 EVENTOS</a:t>
-            </a:r>
-            <a:endParaRPr lang="" altLang="en-US" sz="9600" b="1">
+              <a:t>6400</a:t>
+            </a:r>
+            <a:r>
+              <a:rPr lang="en-US" altLang="en-US" sz="9600" b="1">
+                <a:ln>
+                  <a:noFill/>
+                </a:ln>
+                <a:solidFill>
+                  <a:schemeClr val="bg1"/>
+                </a:solidFill>
+                <a:effectLst>
+                  <a:outerShdw dist="114300" dir="18900000" algn="bl" rotWithShape="0">
+                    <a:srgbClr val="221E20">
+                      <a:alpha val="100000"/>
+                    </a:srgbClr>
+                  </a:outerShdw>
+                </a:effectLst>
+                <a:latin typeface="Ubuntu" panose="020B0604030602030204" charset="0"/>
+                <a:ea typeface="Ubuntu" panose="020B0604030602030204" charset="0"/>
+              </a:rPr>
+              <a:t> EVENTOS</a:t>
+            </a:r>
+            <a:endParaRPr lang="en-US" altLang="en-US" sz="9600" b="1">
               <a:ln>
                 <a:noFill/>
               </a:ln>
@@ -2756,7 +2796,7 @@
               <a:buNone/>
             </a:pPr>
             <a:r>
-              <a:rPr lang="" altLang="en-US" sz="9600" b="1">
+              <a:rPr lang="en-US" altLang="en-US" sz="9600" b="1">
                 <a:ln>
                   <a:noFill/>
                 </a:ln>
@@ -2775,7 +2815,7 @@
               </a:rPr>
               <a:t>EM 10 DIAS</a:t>
             </a:r>
-            <a:endParaRPr lang="" altLang="en-US" sz="9600" b="1">
+            <a:endParaRPr lang="en-US" altLang="en-US" sz="9600" b="1">
               <a:ln>
                 <a:noFill/>
               </a:ln>
@@ -2980,13 +3020,13 @@
           <a:bodyPr/>
           <a:p>
             <a:r>
-              <a:rPr lang="" altLang="en-US">
+              <a:rPr lang="en-US" altLang="en-US">
                 <a:latin typeface="Ubuntu" panose="020B0604030602030204" charset="0"/>
                 <a:ea typeface="Ubuntu" panose="020B0604030602030204" charset="0"/>
               </a:rPr>
               <a:t>Etapas</a:t>
             </a:r>
-            <a:endParaRPr lang="" altLang="en-US">
+            <a:endParaRPr lang="en-US" altLang="en-US">
               <a:latin typeface="Ubuntu" panose="020B0604030602030204" charset="0"/>
               <a:ea typeface="Ubuntu" panose="020B0604030602030204" charset="0"/>
             </a:endParaRPr>
@@ -3011,13 +3051,13 @@
               <a:buAutoNum type="arabicPeriod"/>
             </a:pPr>
             <a:r>
-              <a:rPr lang="" altLang="en-US" sz="3600">
+              <a:rPr lang="en-US" altLang="en-US" sz="3600">
                 <a:latin typeface="Ubuntu" panose="020B0604030602030204" charset="0"/>
                 <a:ea typeface="Ubuntu" panose="020B0604030602030204" charset="0"/>
               </a:rPr>
               <a:t>Preparação do Ambiente</a:t>
             </a:r>
-            <a:endParaRPr lang="" altLang="en-US" sz="3600">
+            <a:endParaRPr lang="en-US" altLang="en-US" sz="3600">
               <a:latin typeface="Ubuntu" panose="020B0604030602030204" charset="0"/>
               <a:ea typeface="Ubuntu" panose="020B0604030602030204" charset="0"/>
             </a:endParaRPr>
@@ -3027,13 +3067,13 @@
               <a:buAutoNum type="arabicPeriod"/>
             </a:pPr>
             <a:r>
-              <a:rPr lang="" altLang="en-US" sz="3600">
+              <a:rPr lang="en-US" altLang="en-US" sz="3600">
                 <a:latin typeface="Ubuntu" panose="020B0604030602030204" charset="0"/>
                 <a:ea typeface="Ubuntu" panose="020B0604030602030204" charset="0"/>
               </a:rPr>
               <a:t>Raspagem de Site (web scraping)</a:t>
             </a:r>
-            <a:endParaRPr lang="" altLang="en-US" sz="3600">
+            <a:endParaRPr lang="en-US" altLang="en-US" sz="3600">
               <a:latin typeface="Ubuntu" panose="020B0604030602030204" charset="0"/>
               <a:ea typeface="Ubuntu" panose="020B0604030602030204" charset="0"/>
             </a:endParaRPr>
@@ -3043,13 +3083,13 @@
               <a:buAutoNum type="arabicPeriod"/>
             </a:pPr>
             <a:r>
-              <a:rPr lang="" altLang="en-US" sz="3600">
+              <a:rPr lang="en-US" altLang="en-US" sz="3600">
                 <a:latin typeface="Ubuntu" panose="020B0604030602030204" charset="0"/>
                 <a:ea typeface="Ubuntu" panose="020B0604030602030204" charset="0"/>
               </a:rPr>
               <a:t>Mineração de Dados (text mining)</a:t>
             </a:r>
-            <a:endParaRPr lang="" altLang="en-US" sz="3600">
+            <a:endParaRPr lang="en-US" altLang="en-US" sz="3600">
               <a:latin typeface="Ubuntu" panose="020B0604030602030204" charset="0"/>
               <a:ea typeface="Ubuntu" panose="020B0604030602030204" charset="0"/>
             </a:endParaRPr>
@@ -3059,13 +3099,13 @@
               <a:buAutoNum type="arabicPeriod"/>
             </a:pPr>
             <a:r>
-              <a:rPr lang="" altLang="en-US" sz="3600">
+              <a:rPr lang="en-US" altLang="en-US" sz="3600">
                 <a:latin typeface="Ubuntu" panose="020B0604030602030204" charset="0"/>
                 <a:ea typeface="Ubuntu" panose="020B0604030602030204" charset="0"/>
               </a:rPr>
               <a:t>Montagem da Agenda (função de custo)</a:t>
             </a:r>
-            <a:endParaRPr lang="" altLang="en-US" sz="3600">
+            <a:endParaRPr lang="en-US" altLang="en-US" sz="3600">
               <a:latin typeface="Ubuntu" panose="020B0604030602030204" charset="0"/>
               <a:ea typeface="Ubuntu" panose="020B0604030602030204" charset="0"/>
             </a:endParaRPr>

--- a/sxsw.pptx
+++ b/sxsw.pptx
@@ -11,6 +11,10 @@
     <p:sldId id="260" r:id="rId6"/>
     <p:sldId id="263" r:id="rId7"/>
     <p:sldId id="262" r:id="rId8"/>
+    <p:sldId id="265" r:id="rId9"/>
+    <p:sldId id="266" r:id="rId10"/>
+    <p:sldId id="267" r:id="rId11"/>
+    <p:sldId id="268" r:id="rId12"/>
   </p:sldIdLst>
   <p:sldSz cx="12192000" cy="6858000"/>
   <p:notesSz cx="7103745" cy="10234295"/>
@@ -2664,6 +2668,109 @@
 </p:sld>
 </file>
 
+<file path=ppt/slides/slide10.xml><?xml version="1.0" encoding="utf-8"?>
+<p:sld xmlns:a="http://schemas.openxmlformats.org/drawingml/2006/main" xmlns:r="http://schemas.openxmlformats.org/officeDocument/2006/relationships" xmlns:p="http://schemas.openxmlformats.org/presentationml/2006/main">
+  <p:cSld>
+    <p:bg>
+      <p:bgPr>
+        <a:solidFill>
+          <a:srgbClr val="58D1A8"/>
+        </a:solidFill>
+        <a:effectLst/>
+      </p:bgPr>
+    </p:bg>
+    <p:spTree>
+      <p:nvGrpSpPr>
+        <p:cNvPr id="1" name=""/>
+        <p:cNvGrpSpPr/>
+        <p:nvPr/>
+      </p:nvGrpSpPr>
+      <p:grpSpPr/>
+      <p:sp>
+        <p:nvSpPr>
+          <p:cNvPr id="2" name="Title 1"/>
+          <p:cNvSpPr>
+            <a:spLocks noGrp="1"/>
+          </p:cNvSpPr>
+          <p:nvPr>
+            <p:ph type="title"/>
+          </p:nvPr>
+        </p:nvSpPr>
+        <p:spPr/>
+        <p:txBody>
+          <a:bodyPr>
+            <a:normAutofit fontScale="90000"/>
+          </a:bodyPr>
+          <a:p>
+            <a:r>
+              <a:rPr lang="" altLang="en-US">
+                <a:latin typeface="Ubuntu" panose="020B0604030602030204" charset="0"/>
+                <a:ea typeface="Ubuntu" panose="020B0604030602030204" charset="0"/>
+                <a:sym typeface="+mn-ea"/>
+              </a:rPr>
+              <a:t>4. </a:t>
+            </a:r>
+            <a:r>
+              <a:rPr lang="en-US" altLang="en-US">
+                <a:latin typeface="Ubuntu" panose="020B0604030602030204" charset="0"/>
+                <a:ea typeface="Ubuntu" panose="020B0604030602030204" charset="0"/>
+                <a:sym typeface="+mn-ea"/>
+              </a:rPr>
+              <a:t>Montagem da Agenda (função de custo)</a:t>
+            </a:r>
+            <a:endParaRPr lang="en-US" altLang="en-US">
+              <a:latin typeface="Ubuntu" panose="020B0604030602030204" charset="0"/>
+              <a:ea typeface="Ubuntu" panose="020B0604030602030204" charset="0"/>
+            </a:endParaRPr>
+          </a:p>
+        </p:txBody>
+      </p:sp>
+      <p:sp>
+        <p:nvSpPr>
+          <p:cNvPr id="9" name="Content Placeholder 8"/>
+          <p:cNvSpPr>
+            <a:spLocks noGrp="1"/>
+          </p:cNvSpPr>
+          <p:nvPr>
+            <p:ph idx="1"/>
+          </p:nvPr>
+        </p:nvSpPr>
+        <p:spPr>
+          <a:xfrm>
+            <a:off x="1446530" y="3075623"/>
+            <a:ext cx="9298940" cy="706755"/>
+          </a:xfrm>
+        </p:spPr>
+        <p:txBody>
+          <a:bodyPr>
+            <a:noAutofit/>
+          </a:bodyPr>
+          <a:p>
+            <a:pPr marL="0" indent="0">
+              <a:buNone/>
+            </a:pPr>
+            <a:r>
+              <a:rPr lang="" altLang="en-US" sz="4000" i="1">
+                <a:latin typeface="Ubuntu" panose="020B0604030602030204" charset="0"/>
+                <a:ea typeface="Ubuntu" panose="020B0604030602030204" charset="0"/>
+              </a:rPr>
+              <a:t>Custo = Ranking + Acesso + Distância</a:t>
+            </a:r>
+            <a:endParaRPr lang="" altLang="en-US" sz="4000" i="1">
+              <a:latin typeface="Ubuntu" panose="020B0604030602030204" charset="0"/>
+              <a:ea typeface="Ubuntu" panose="020B0604030602030204" charset="0"/>
+            </a:endParaRPr>
+          </a:p>
+        </p:txBody>
+      </p:sp>
+    </p:spTree>
+  </p:cSld>
+  <p:clrMapOvr>
+    <a:masterClrMapping/>
+  </p:clrMapOvr>
+</p:sld>
+</file>
+
 <file path=ppt/slides/slide2.xml><?xml version="1.0" encoding="utf-8"?>
 <p:sld xmlns:a="http://schemas.openxmlformats.org/drawingml/2006/main" xmlns:r="http://schemas.openxmlformats.org/officeDocument/2006/relationships" xmlns:p="http://schemas.openxmlformats.org/presentationml/2006/main">
   <p:cSld>
@@ -2731,47 +2838,7 @@
                 <a:latin typeface="Ubuntu" panose="020B0604030602030204" charset="0"/>
                 <a:ea typeface="Ubuntu" panose="020B0604030602030204" charset="0"/>
               </a:rPr>
-              <a:t>&gt; </a:t>
-            </a:r>
-            <a:r>
-              <a:rPr lang="" altLang="en-US" sz="9600" b="1">
-                <a:ln>
-                  <a:noFill/>
-                </a:ln>
-                <a:solidFill>
-                  <a:schemeClr val="bg1"/>
-                </a:solidFill>
-                <a:effectLst>
-                  <a:outerShdw dist="114300" dir="18900000" algn="bl" rotWithShape="0">
-                    <a:srgbClr val="221E20">
-                      <a:alpha val="100000"/>
-                    </a:srgbClr>
-                  </a:outerShdw>
-                </a:effectLst>
-                <a:latin typeface="Ubuntu" panose="020B0604030602030204" charset="0"/>
-                <a:ea typeface="Ubuntu" panose="020B0604030602030204" charset="0"/>
-              </a:rPr>
-              <a:t>6400</a:t>
-            </a:r>
-            <a:r>
-              <a:rPr lang="en-US" altLang="en-US" sz="9600" b="1">
-                <a:ln>
-                  <a:noFill/>
-                </a:ln>
-                <a:solidFill>
-                  <a:schemeClr val="bg1"/>
-                </a:solidFill>
-                <a:effectLst>
-                  <a:outerShdw dist="114300" dir="18900000" algn="bl" rotWithShape="0">
-                    <a:srgbClr val="221E20">
-                      <a:alpha val="100000"/>
-                    </a:srgbClr>
-                  </a:outerShdw>
-                </a:effectLst>
-                <a:latin typeface="Ubuntu" panose="020B0604030602030204" charset="0"/>
-                <a:ea typeface="Ubuntu" panose="020B0604030602030204" charset="0"/>
-              </a:rPr>
-              <a:t> EVENTOS</a:t>
+              <a:t>&gt; 6400 EVENTOS</a:t>
             </a:r>
             <a:endParaRPr lang="en-US" altLang="en-US" sz="9600" b="1">
               <a:ln>
@@ -3106,6 +3173,1830 @@
               <a:t>Montagem da Agenda (função de custo)</a:t>
             </a:r>
             <a:endParaRPr lang="en-US" altLang="en-US" sz="3600">
+              <a:latin typeface="Ubuntu" panose="020B0604030602030204" charset="0"/>
+              <a:ea typeface="Ubuntu" panose="020B0604030602030204" charset="0"/>
+            </a:endParaRPr>
+          </a:p>
+        </p:txBody>
+      </p:sp>
+    </p:spTree>
+  </p:cSld>
+  <p:clrMapOvr>
+    <a:masterClrMapping/>
+  </p:clrMapOvr>
+</p:sld>
+</file>
+
+<file path=ppt/slides/slide7.xml><?xml version="1.0" encoding="utf-8"?>
+<p:sld xmlns:a="http://schemas.openxmlformats.org/drawingml/2006/main" xmlns:r="http://schemas.openxmlformats.org/officeDocument/2006/relationships" xmlns:p="http://schemas.openxmlformats.org/presentationml/2006/main">
+  <p:cSld>
+    <p:bg>
+      <p:bgPr>
+        <a:solidFill>
+          <a:srgbClr val="58D1A8"/>
+        </a:solidFill>
+        <a:effectLst/>
+      </p:bgPr>
+    </p:bg>
+    <p:spTree>
+      <p:nvGrpSpPr>
+        <p:cNvPr id="1" name=""/>
+        <p:cNvGrpSpPr/>
+        <p:nvPr/>
+      </p:nvGrpSpPr>
+      <p:grpSpPr/>
+      <p:sp>
+        <p:nvSpPr>
+          <p:cNvPr id="2" name="Title 1"/>
+          <p:cNvSpPr>
+            <a:spLocks noGrp="1"/>
+          </p:cNvSpPr>
+          <p:nvPr>
+            <p:ph type="title"/>
+          </p:nvPr>
+        </p:nvSpPr>
+        <p:spPr/>
+        <p:txBody>
+          <a:bodyPr/>
+          <a:p>
+            <a:r>
+              <a:rPr lang="" altLang="en-US">
+                <a:latin typeface="Ubuntu" panose="020B0604030602030204" charset="0"/>
+                <a:ea typeface="Ubuntu" panose="020B0604030602030204" charset="0"/>
+              </a:rPr>
+              <a:t>1. Preparação do Ambiente</a:t>
+            </a:r>
+            <a:endParaRPr lang="" altLang="en-US">
+              <a:latin typeface="Ubuntu" panose="020B0604030602030204" charset="0"/>
+              <a:ea typeface="Ubuntu" panose="020B0604030602030204" charset="0"/>
+            </a:endParaRPr>
+          </a:p>
+        </p:txBody>
+      </p:sp>
+      <p:pic>
+        <p:nvPicPr>
+          <p:cNvPr id="5" name="Picture 4" descr="virtualenv"/>
+          <p:cNvPicPr>
+            <a:picLocks noChangeAspect="1"/>
+          </p:cNvPicPr>
+          <p:nvPr/>
+        </p:nvPicPr>
+        <p:blipFill>
+          <a:blip r:embed="rId1"/>
+          <a:stretch>
+            <a:fillRect/>
+          </a:stretch>
+        </p:blipFill>
+        <p:spPr>
+          <a:xfrm>
+            <a:off x="2846705" y="2104073"/>
+            <a:ext cx="6498590" cy="2649855"/>
+          </a:xfrm>
+          <a:prstGeom prst="rect">
+            <a:avLst/>
+          </a:prstGeom>
+        </p:spPr>
+      </p:pic>
+    </p:spTree>
+  </p:cSld>
+  <p:clrMapOvr>
+    <a:masterClrMapping/>
+  </p:clrMapOvr>
+</p:sld>
+</file>
+
+<file path=ppt/slides/slide8.xml><?xml version="1.0" encoding="utf-8"?>
+<p:sld xmlns:a="http://schemas.openxmlformats.org/drawingml/2006/main" xmlns:r="http://schemas.openxmlformats.org/officeDocument/2006/relationships" xmlns:p="http://schemas.openxmlformats.org/presentationml/2006/main">
+  <p:cSld>
+    <p:bg>
+      <p:bgPr>
+        <a:solidFill>
+          <a:srgbClr val="58D1A8"/>
+        </a:solidFill>
+        <a:effectLst/>
+      </p:bgPr>
+    </p:bg>
+    <p:spTree>
+      <p:nvGrpSpPr>
+        <p:cNvPr id="1" name=""/>
+        <p:cNvGrpSpPr/>
+        <p:nvPr/>
+      </p:nvGrpSpPr>
+      <p:grpSpPr/>
+      <p:sp>
+        <p:nvSpPr>
+          <p:cNvPr id="2" name="Title 1"/>
+          <p:cNvSpPr>
+            <a:spLocks noGrp="1"/>
+          </p:cNvSpPr>
+          <p:nvPr>
+            <p:ph type="title"/>
+          </p:nvPr>
+        </p:nvSpPr>
+        <p:spPr/>
+        <p:txBody>
+          <a:bodyPr/>
+          <a:p>
+            <a:r>
+              <a:rPr lang="" altLang="en-US">
+                <a:latin typeface="Ubuntu" panose="020B0604030602030204" charset="0"/>
+                <a:ea typeface="Ubuntu" panose="020B0604030602030204" charset="0"/>
+                <a:sym typeface="+mn-ea"/>
+              </a:rPr>
+              <a:t>2. </a:t>
+            </a:r>
+            <a:r>
+              <a:rPr lang="en-US" altLang="en-US">
+                <a:latin typeface="Ubuntu" panose="020B0604030602030204" charset="0"/>
+                <a:ea typeface="Ubuntu" panose="020B0604030602030204" charset="0"/>
+                <a:sym typeface="+mn-ea"/>
+              </a:rPr>
+              <a:t>Raspagem de Site (web scraping)</a:t>
+            </a:r>
+            <a:endParaRPr lang="en-US" altLang="en-US">
+              <a:latin typeface="Ubuntu" panose="020B0604030602030204" charset="0"/>
+              <a:ea typeface="Ubuntu" panose="020B0604030602030204" charset="0"/>
+            </a:endParaRPr>
+          </a:p>
+        </p:txBody>
+      </p:sp>
+      <p:pic>
+        <p:nvPicPr>
+          <p:cNvPr id="5" name="Picture 4" descr="scraper-cetesb"/>
+          <p:cNvPicPr>
+            <a:picLocks noChangeAspect="1"/>
+          </p:cNvPicPr>
+          <p:nvPr/>
+        </p:nvPicPr>
+        <p:blipFill>
+          <a:blip r:embed="rId1"/>
+          <a:stretch>
+            <a:fillRect/>
+          </a:stretch>
+        </p:blipFill>
+        <p:spPr>
+          <a:xfrm>
+            <a:off x="1810385" y="1575118"/>
+            <a:ext cx="8571230" cy="3707765"/>
+          </a:xfrm>
+          <a:prstGeom prst="rect">
+            <a:avLst/>
+          </a:prstGeom>
+        </p:spPr>
+      </p:pic>
+    </p:spTree>
+  </p:cSld>
+  <p:clrMapOvr>
+    <a:masterClrMapping/>
+  </p:clrMapOvr>
+</p:sld>
+</file>
+
+<file path=ppt/slides/slide9.xml><?xml version="1.0" encoding="utf-8"?>
+<p:sld xmlns:a="http://schemas.openxmlformats.org/drawingml/2006/main" xmlns:r="http://schemas.openxmlformats.org/officeDocument/2006/relationships" xmlns:p="http://schemas.openxmlformats.org/presentationml/2006/main">
+  <p:cSld>
+    <p:bg>
+      <p:bgPr>
+        <a:solidFill>
+          <a:srgbClr val="58D1A8"/>
+        </a:solidFill>
+        <a:effectLst/>
+      </p:bgPr>
+    </p:bg>
+    <p:spTree>
+      <p:nvGrpSpPr>
+        <p:cNvPr id="1" name=""/>
+        <p:cNvGrpSpPr/>
+        <p:nvPr/>
+      </p:nvGrpSpPr>
+      <p:grpSpPr/>
+      <p:sp>
+        <p:nvSpPr>
+          <p:cNvPr id="2" name="Title 1"/>
+          <p:cNvSpPr>
+            <a:spLocks noGrp="1"/>
+          </p:cNvSpPr>
+          <p:nvPr>
+            <p:ph type="title"/>
+          </p:nvPr>
+        </p:nvSpPr>
+        <p:spPr/>
+        <p:txBody>
+          <a:bodyPr/>
+          <a:p>
+            <a:r>
+              <a:rPr lang="" altLang="en-US">
+                <a:latin typeface="Ubuntu" panose="020B0604030602030204" charset="0"/>
+                <a:ea typeface="Ubuntu" panose="020B0604030602030204" charset="0"/>
+                <a:sym typeface="+mn-ea"/>
+              </a:rPr>
+              <a:t>3. </a:t>
+            </a:r>
+            <a:r>
+              <a:rPr lang="en-US" altLang="en-US">
+                <a:latin typeface="Ubuntu" panose="020B0604030602030204" charset="0"/>
+                <a:ea typeface="Ubuntu" panose="020B0604030602030204" charset="0"/>
+                <a:sym typeface="+mn-ea"/>
+              </a:rPr>
+              <a:t>Mineração de Dados (text mining)</a:t>
+            </a:r>
+            <a:endParaRPr lang="en-US" altLang="en-US">
+              <a:latin typeface="Ubuntu" panose="020B0604030602030204" charset="0"/>
+              <a:ea typeface="Ubuntu" panose="020B0604030602030204" charset="0"/>
+            </a:endParaRPr>
+          </a:p>
+        </p:txBody>
+      </p:sp>
+      <p:cxnSp>
+        <p:nvCxnSpPr>
+          <p:cNvPr id="7" name="Straight Arrow Connector 6"/>
+          <p:cNvCxnSpPr/>
+          <p:nvPr/>
+        </p:nvCxnSpPr>
+        <p:spPr>
+          <a:xfrm flipV="1">
+            <a:off x="4168775" y="1997075"/>
+            <a:ext cx="0" cy="2905125"/>
+          </a:xfrm>
+          <a:prstGeom prst="straightConnector1">
+            <a:avLst/>
+          </a:prstGeom>
+          <a:ln w="25400">
+            <a:solidFill>
+              <a:schemeClr val="tx1"/>
+            </a:solidFill>
+            <a:tailEnd type="arrow"/>
+          </a:ln>
+        </p:spPr>
+        <p:style>
+          <a:lnRef idx="1">
+            <a:schemeClr val="accent1"/>
+          </a:lnRef>
+          <a:fillRef idx="0">
+            <a:schemeClr val="accent1"/>
+          </a:fillRef>
+          <a:effectRef idx="0">
+            <a:schemeClr val="accent1"/>
+          </a:effectRef>
+          <a:fontRef idx="minor">
+            <a:schemeClr val="tx1"/>
+          </a:fontRef>
+        </p:style>
+      </p:cxnSp>
+      <p:cxnSp>
+        <p:nvCxnSpPr>
+          <p:cNvPr id="8" name="Straight Arrow Connector 7"/>
+          <p:cNvCxnSpPr/>
+          <p:nvPr/>
+        </p:nvCxnSpPr>
+        <p:spPr>
+          <a:xfrm>
+            <a:off x="4168775" y="4902200"/>
+            <a:ext cx="3854450" cy="0"/>
+          </a:xfrm>
+          <a:prstGeom prst="straightConnector1">
+            <a:avLst/>
+          </a:prstGeom>
+          <a:ln w="25400">
+            <a:solidFill>
+              <a:schemeClr val="tx1"/>
+            </a:solidFill>
+            <a:tailEnd type="arrow"/>
+          </a:ln>
+        </p:spPr>
+        <p:style>
+          <a:lnRef idx="1">
+            <a:schemeClr val="accent1"/>
+          </a:lnRef>
+          <a:fillRef idx="0">
+            <a:schemeClr val="accent1"/>
+          </a:fillRef>
+          <a:effectRef idx="0">
+            <a:schemeClr val="accent1"/>
+          </a:effectRef>
+          <a:fontRef idx="minor">
+            <a:schemeClr val="tx1"/>
+          </a:fontRef>
+        </p:style>
+      </p:cxnSp>
+      <p:sp>
+        <p:nvSpPr>
+          <p:cNvPr id="9" name="Content Placeholder 8"/>
+          <p:cNvSpPr>
+            <a:spLocks noGrp="1"/>
+          </p:cNvSpPr>
+          <p:nvPr>
+            <p:ph idx="1"/>
+          </p:nvPr>
+        </p:nvSpPr>
+        <p:spPr>
+          <a:xfrm>
+            <a:off x="1927225" y="1997075"/>
+            <a:ext cx="1983740" cy="379730"/>
+          </a:xfrm>
+        </p:spPr>
+        <p:txBody>
+          <a:bodyPr>
+            <a:normAutofit fontScale="90000"/>
+          </a:bodyPr>
+          <a:p>
+            <a:pPr marL="0" indent="0">
+              <a:buNone/>
+            </a:pPr>
+            <a:r>
+              <a:rPr lang="" altLang="en-US" sz="2000">
+                <a:latin typeface="Ubuntu" panose="020B0604030602030204" charset="0"/>
+                <a:ea typeface="Ubuntu" panose="020B0604030602030204" charset="0"/>
+              </a:rPr>
+              <a:t>Alta Ocorrência</a:t>
+            </a:r>
+            <a:endParaRPr lang="" altLang="en-US" sz="2000">
+              <a:latin typeface="Ubuntu" panose="020B0604030602030204" charset="0"/>
+              <a:ea typeface="Ubuntu" panose="020B0604030602030204" charset="0"/>
+            </a:endParaRPr>
+          </a:p>
+        </p:txBody>
+      </p:sp>
+      <p:sp>
+        <p:nvSpPr>
+          <p:cNvPr id="10" name="Content Placeholder 8"/>
+          <p:cNvSpPr>
+            <a:spLocks noGrp="1"/>
+          </p:cNvSpPr>
+          <p:nvPr/>
+        </p:nvSpPr>
+        <p:spPr>
+          <a:xfrm>
+            <a:off x="1927225" y="4522470"/>
+            <a:ext cx="1983740" cy="379730"/>
+          </a:xfrm>
+          <a:prstGeom prst="rect">
+            <a:avLst/>
+          </a:prstGeom>
+        </p:spPr>
+        <p:txBody>
+          <a:bodyPr vert="horz" lIns="91440" tIns="45720" rIns="91440" bIns="45720" rtlCol="0">
+            <a:normAutofit fontScale="90000"/>
+          </a:bodyPr>
+          <a:lstStyle>
+            <a:lvl1pPr marL="228600" indent="-228600" algn="l" defTabSz="914400" rtl="0" eaLnBrk="1" latinLnBrk="0" hangingPunct="1">
+              <a:lnSpc>
+                <a:spcPct val="90000"/>
+              </a:lnSpc>
+              <a:spcBef>
+                <a:spcPts val="1000"/>
+              </a:spcBef>
+              <a:buFont typeface="Arial" panose="020B0604020202020204" pitchFamily="34" charset="0"/>
+              <a:buChar char="•"/>
+              <a:defRPr sz="2800" kern="1200">
+                <a:solidFill>
+                  <a:schemeClr val="tx1"/>
+                </a:solidFill>
+                <a:latin typeface="+mn-lt"/>
+                <a:ea typeface="+mn-ea"/>
+                <a:cs typeface="+mn-cs"/>
+              </a:defRPr>
+            </a:lvl1pPr>
+            <a:lvl2pPr marL="685800" indent="-228600" algn="l" defTabSz="914400" rtl="0" eaLnBrk="1" latinLnBrk="0" hangingPunct="1">
+              <a:lnSpc>
+                <a:spcPct val="90000"/>
+              </a:lnSpc>
+              <a:spcBef>
+                <a:spcPts val="500"/>
+              </a:spcBef>
+              <a:buFont typeface="Arial" panose="020B0604020202020204" pitchFamily="34" charset="0"/>
+              <a:buChar char="•"/>
+              <a:defRPr sz="2400" kern="1200">
+                <a:solidFill>
+                  <a:schemeClr val="tx1"/>
+                </a:solidFill>
+                <a:latin typeface="+mn-lt"/>
+                <a:ea typeface="+mn-ea"/>
+                <a:cs typeface="+mn-cs"/>
+              </a:defRPr>
+            </a:lvl2pPr>
+            <a:lvl3pPr marL="1143000" indent="-228600" algn="l" defTabSz="914400" rtl="0" eaLnBrk="1" latinLnBrk="0" hangingPunct="1">
+              <a:lnSpc>
+                <a:spcPct val="90000"/>
+              </a:lnSpc>
+              <a:spcBef>
+                <a:spcPts val="500"/>
+              </a:spcBef>
+              <a:buFont typeface="Arial" panose="020B0604020202020204" pitchFamily="34" charset="0"/>
+              <a:buChar char="•"/>
+              <a:defRPr sz="2000" kern="1200">
+                <a:solidFill>
+                  <a:schemeClr val="tx1"/>
+                </a:solidFill>
+                <a:latin typeface="+mn-lt"/>
+                <a:ea typeface="+mn-ea"/>
+                <a:cs typeface="+mn-cs"/>
+              </a:defRPr>
+            </a:lvl3pPr>
+            <a:lvl4pPr marL="1600200" indent="-228600" algn="l" defTabSz="914400" rtl="0" eaLnBrk="1" latinLnBrk="0" hangingPunct="1">
+              <a:lnSpc>
+                <a:spcPct val="90000"/>
+              </a:lnSpc>
+              <a:spcBef>
+                <a:spcPts val="500"/>
+              </a:spcBef>
+              <a:buFont typeface="Arial" panose="020B0604020202020204" pitchFamily="34" charset="0"/>
+              <a:buChar char="•"/>
+              <a:defRPr sz="1800" kern="1200">
+                <a:solidFill>
+                  <a:schemeClr val="tx1"/>
+                </a:solidFill>
+                <a:latin typeface="+mn-lt"/>
+                <a:ea typeface="+mn-ea"/>
+                <a:cs typeface="+mn-cs"/>
+              </a:defRPr>
+            </a:lvl4pPr>
+            <a:lvl5pPr marL="2057400" indent="-228600" algn="l" defTabSz="914400" rtl="0" eaLnBrk="1" latinLnBrk="0" hangingPunct="1">
+              <a:lnSpc>
+                <a:spcPct val="90000"/>
+              </a:lnSpc>
+              <a:spcBef>
+                <a:spcPts val="500"/>
+              </a:spcBef>
+              <a:buFont typeface="Arial" panose="020B0604020202020204" pitchFamily="34" charset="0"/>
+              <a:buChar char="•"/>
+              <a:defRPr sz="1800" kern="1200">
+                <a:solidFill>
+                  <a:schemeClr val="tx1"/>
+                </a:solidFill>
+                <a:latin typeface="+mn-lt"/>
+                <a:ea typeface="+mn-ea"/>
+                <a:cs typeface="+mn-cs"/>
+              </a:defRPr>
+            </a:lvl5pPr>
+            <a:lvl6pPr marL="2514600" indent="-228600" algn="l" defTabSz="914400" rtl="0" eaLnBrk="1" latinLnBrk="0" hangingPunct="1">
+              <a:lnSpc>
+                <a:spcPct val="90000"/>
+              </a:lnSpc>
+              <a:spcBef>
+                <a:spcPts val="500"/>
+              </a:spcBef>
+              <a:buFont typeface="Arial" panose="020B0604020202020204" pitchFamily="34" charset="0"/>
+              <a:buChar char="•"/>
+              <a:defRPr sz="1800" kern="1200">
+                <a:solidFill>
+                  <a:schemeClr val="tx1"/>
+                </a:solidFill>
+                <a:latin typeface="+mn-lt"/>
+                <a:ea typeface="+mn-ea"/>
+                <a:cs typeface="+mn-cs"/>
+              </a:defRPr>
+            </a:lvl6pPr>
+            <a:lvl7pPr marL="2971800" indent="-228600" algn="l" defTabSz="914400" rtl="0" eaLnBrk="1" latinLnBrk="0" hangingPunct="1">
+              <a:lnSpc>
+                <a:spcPct val="90000"/>
+              </a:lnSpc>
+              <a:spcBef>
+                <a:spcPts val="500"/>
+              </a:spcBef>
+              <a:buFont typeface="Arial" panose="020B0604020202020204" pitchFamily="34" charset="0"/>
+              <a:buChar char="•"/>
+              <a:defRPr sz="1800" kern="1200">
+                <a:solidFill>
+                  <a:schemeClr val="tx1"/>
+                </a:solidFill>
+                <a:latin typeface="+mn-lt"/>
+                <a:ea typeface="+mn-ea"/>
+                <a:cs typeface="+mn-cs"/>
+              </a:defRPr>
+            </a:lvl7pPr>
+            <a:lvl8pPr marL="3429000" indent="-228600" algn="l" defTabSz="914400" rtl="0" eaLnBrk="1" latinLnBrk="0" hangingPunct="1">
+              <a:lnSpc>
+                <a:spcPct val="90000"/>
+              </a:lnSpc>
+              <a:spcBef>
+                <a:spcPts val="500"/>
+              </a:spcBef>
+              <a:buFont typeface="Arial" panose="020B0604020202020204" pitchFamily="34" charset="0"/>
+              <a:buChar char="•"/>
+              <a:defRPr sz="1800" kern="1200">
+                <a:solidFill>
+                  <a:schemeClr val="tx1"/>
+                </a:solidFill>
+                <a:latin typeface="+mn-lt"/>
+                <a:ea typeface="+mn-ea"/>
+                <a:cs typeface="+mn-cs"/>
+              </a:defRPr>
+            </a:lvl8pPr>
+            <a:lvl9pPr marL="3886200" indent="-228600" algn="l" defTabSz="914400" rtl="0" eaLnBrk="1" latinLnBrk="0" hangingPunct="1">
+              <a:lnSpc>
+                <a:spcPct val="90000"/>
+              </a:lnSpc>
+              <a:spcBef>
+                <a:spcPts val="500"/>
+              </a:spcBef>
+              <a:buFont typeface="Arial" panose="020B0604020202020204" pitchFamily="34" charset="0"/>
+              <a:buChar char="•"/>
+              <a:defRPr sz="1800" kern="1200">
+                <a:solidFill>
+                  <a:schemeClr val="tx1"/>
+                </a:solidFill>
+                <a:latin typeface="+mn-lt"/>
+                <a:ea typeface="+mn-ea"/>
+                <a:cs typeface="+mn-cs"/>
+              </a:defRPr>
+            </a:lvl9pPr>
+          </a:lstStyle>
+          <a:p>
+            <a:pPr marL="0" indent="0">
+              <a:buNone/>
+            </a:pPr>
+            <a:r>
+              <a:rPr lang="" altLang="en-US" sz="2000">
+                <a:latin typeface="Ubuntu" panose="020B0604030602030204" charset="0"/>
+                <a:ea typeface="Ubuntu" panose="020B0604030602030204" charset="0"/>
+              </a:rPr>
+              <a:t>Baixa</a:t>
+            </a:r>
+            <a:r>
+              <a:rPr lang="en-US" altLang="en-US" sz="2000">
+                <a:latin typeface="Ubuntu" panose="020B0604030602030204" charset="0"/>
+                <a:ea typeface="Ubuntu" panose="020B0604030602030204" charset="0"/>
+              </a:rPr>
+              <a:t> Ocorrência</a:t>
+            </a:r>
+            <a:endParaRPr lang="en-US" altLang="en-US" sz="2000">
+              <a:latin typeface="Ubuntu" panose="020B0604030602030204" charset="0"/>
+              <a:ea typeface="Ubuntu" panose="020B0604030602030204" charset="0"/>
+            </a:endParaRPr>
+          </a:p>
+        </p:txBody>
+      </p:sp>
+      <p:sp>
+        <p:nvSpPr>
+          <p:cNvPr id="11" name="Content Placeholder 8"/>
+          <p:cNvSpPr>
+            <a:spLocks noGrp="1"/>
+          </p:cNvSpPr>
+          <p:nvPr/>
+        </p:nvSpPr>
+        <p:spPr>
+          <a:xfrm>
+            <a:off x="4168775" y="5045075"/>
+            <a:ext cx="850900" cy="760730"/>
+          </a:xfrm>
+          <a:prstGeom prst="rect">
+            <a:avLst/>
+          </a:prstGeom>
+        </p:spPr>
+        <p:txBody>
+          <a:bodyPr vert="horz" lIns="91440" tIns="45720" rIns="91440" bIns="45720" rtlCol="0"/>
+          <a:lstStyle>
+            <a:lvl1pPr marL="228600" indent="-228600" algn="l" defTabSz="914400" rtl="0" eaLnBrk="1" latinLnBrk="0" hangingPunct="1">
+              <a:lnSpc>
+                <a:spcPct val="90000"/>
+              </a:lnSpc>
+              <a:spcBef>
+                <a:spcPts val="1000"/>
+              </a:spcBef>
+              <a:buFont typeface="Arial" panose="020B0604020202020204" pitchFamily="34" charset="0"/>
+              <a:buChar char="•"/>
+              <a:defRPr sz="2800" kern="1200">
+                <a:solidFill>
+                  <a:schemeClr val="tx1"/>
+                </a:solidFill>
+                <a:latin typeface="+mn-lt"/>
+                <a:ea typeface="+mn-ea"/>
+                <a:cs typeface="+mn-cs"/>
+              </a:defRPr>
+            </a:lvl1pPr>
+            <a:lvl2pPr marL="685800" indent="-228600" algn="l" defTabSz="914400" rtl="0" eaLnBrk="1" latinLnBrk="0" hangingPunct="1">
+              <a:lnSpc>
+                <a:spcPct val="90000"/>
+              </a:lnSpc>
+              <a:spcBef>
+                <a:spcPts val="500"/>
+              </a:spcBef>
+              <a:buFont typeface="Arial" panose="020B0604020202020204" pitchFamily="34" charset="0"/>
+              <a:buChar char="•"/>
+              <a:defRPr sz="2400" kern="1200">
+                <a:solidFill>
+                  <a:schemeClr val="tx1"/>
+                </a:solidFill>
+                <a:latin typeface="+mn-lt"/>
+                <a:ea typeface="+mn-ea"/>
+                <a:cs typeface="+mn-cs"/>
+              </a:defRPr>
+            </a:lvl2pPr>
+            <a:lvl3pPr marL="1143000" indent="-228600" algn="l" defTabSz="914400" rtl="0" eaLnBrk="1" latinLnBrk="0" hangingPunct="1">
+              <a:lnSpc>
+                <a:spcPct val="90000"/>
+              </a:lnSpc>
+              <a:spcBef>
+                <a:spcPts val="500"/>
+              </a:spcBef>
+              <a:buFont typeface="Arial" panose="020B0604020202020204" pitchFamily="34" charset="0"/>
+              <a:buChar char="•"/>
+              <a:defRPr sz="2000" kern="1200">
+                <a:solidFill>
+                  <a:schemeClr val="tx1"/>
+                </a:solidFill>
+                <a:latin typeface="+mn-lt"/>
+                <a:ea typeface="+mn-ea"/>
+                <a:cs typeface="+mn-cs"/>
+              </a:defRPr>
+            </a:lvl3pPr>
+            <a:lvl4pPr marL="1600200" indent="-228600" algn="l" defTabSz="914400" rtl="0" eaLnBrk="1" latinLnBrk="0" hangingPunct="1">
+              <a:lnSpc>
+                <a:spcPct val="90000"/>
+              </a:lnSpc>
+              <a:spcBef>
+                <a:spcPts val="500"/>
+              </a:spcBef>
+              <a:buFont typeface="Arial" panose="020B0604020202020204" pitchFamily="34" charset="0"/>
+              <a:buChar char="•"/>
+              <a:defRPr sz="1800" kern="1200">
+                <a:solidFill>
+                  <a:schemeClr val="tx1"/>
+                </a:solidFill>
+                <a:latin typeface="+mn-lt"/>
+                <a:ea typeface="+mn-ea"/>
+                <a:cs typeface="+mn-cs"/>
+              </a:defRPr>
+            </a:lvl4pPr>
+            <a:lvl5pPr marL="2057400" indent="-228600" algn="l" defTabSz="914400" rtl="0" eaLnBrk="1" latinLnBrk="0" hangingPunct="1">
+              <a:lnSpc>
+                <a:spcPct val="90000"/>
+              </a:lnSpc>
+              <a:spcBef>
+                <a:spcPts val="500"/>
+              </a:spcBef>
+              <a:buFont typeface="Arial" panose="020B0604020202020204" pitchFamily="34" charset="0"/>
+              <a:buChar char="•"/>
+              <a:defRPr sz="1800" kern="1200">
+                <a:solidFill>
+                  <a:schemeClr val="tx1"/>
+                </a:solidFill>
+                <a:latin typeface="+mn-lt"/>
+                <a:ea typeface="+mn-ea"/>
+                <a:cs typeface="+mn-cs"/>
+              </a:defRPr>
+            </a:lvl5pPr>
+            <a:lvl6pPr marL="2514600" indent="-228600" algn="l" defTabSz="914400" rtl="0" eaLnBrk="1" latinLnBrk="0" hangingPunct="1">
+              <a:lnSpc>
+                <a:spcPct val="90000"/>
+              </a:lnSpc>
+              <a:spcBef>
+                <a:spcPts val="500"/>
+              </a:spcBef>
+              <a:buFont typeface="Arial" panose="020B0604020202020204" pitchFamily="34" charset="0"/>
+              <a:buChar char="•"/>
+              <a:defRPr sz="1800" kern="1200">
+                <a:solidFill>
+                  <a:schemeClr val="tx1"/>
+                </a:solidFill>
+                <a:latin typeface="+mn-lt"/>
+                <a:ea typeface="+mn-ea"/>
+                <a:cs typeface="+mn-cs"/>
+              </a:defRPr>
+            </a:lvl6pPr>
+            <a:lvl7pPr marL="2971800" indent="-228600" algn="l" defTabSz="914400" rtl="0" eaLnBrk="1" latinLnBrk="0" hangingPunct="1">
+              <a:lnSpc>
+                <a:spcPct val="90000"/>
+              </a:lnSpc>
+              <a:spcBef>
+                <a:spcPts val="500"/>
+              </a:spcBef>
+              <a:buFont typeface="Arial" panose="020B0604020202020204" pitchFamily="34" charset="0"/>
+              <a:buChar char="•"/>
+              <a:defRPr sz="1800" kern="1200">
+                <a:solidFill>
+                  <a:schemeClr val="tx1"/>
+                </a:solidFill>
+                <a:latin typeface="+mn-lt"/>
+                <a:ea typeface="+mn-ea"/>
+                <a:cs typeface="+mn-cs"/>
+              </a:defRPr>
+            </a:lvl7pPr>
+            <a:lvl8pPr marL="3429000" indent="-228600" algn="l" defTabSz="914400" rtl="0" eaLnBrk="1" latinLnBrk="0" hangingPunct="1">
+              <a:lnSpc>
+                <a:spcPct val="90000"/>
+              </a:lnSpc>
+              <a:spcBef>
+                <a:spcPts val="500"/>
+              </a:spcBef>
+              <a:buFont typeface="Arial" panose="020B0604020202020204" pitchFamily="34" charset="0"/>
+              <a:buChar char="•"/>
+              <a:defRPr sz="1800" kern="1200">
+                <a:solidFill>
+                  <a:schemeClr val="tx1"/>
+                </a:solidFill>
+                <a:latin typeface="+mn-lt"/>
+                <a:ea typeface="+mn-ea"/>
+                <a:cs typeface="+mn-cs"/>
+              </a:defRPr>
+            </a:lvl8pPr>
+            <a:lvl9pPr marL="3886200" indent="-228600" algn="l" defTabSz="914400" rtl="0" eaLnBrk="1" latinLnBrk="0" hangingPunct="1">
+              <a:lnSpc>
+                <a:spcPct val="90000"/>
+              </a:lnSpc>
+              <a:spcBef>
+                <a:spcPts val="500"/>
+              </a:spcBef>
+              <a:buFont typeface="Arial" panose="020B0604020202020204" pitchFamily="34" charset="0"/>
+              <a:buChar char="•"/>
+              <a:defRPr sz="1800" kern="1200">
+                <a:solidFill>
+                  <a:schemeClr val="tx1"/>
+                </a:solidFill>
+                <a:latin typeface="+mn-lt"/>
+                <a:ea typeface="+mn-ea"/>
+                <a:cs typeface="+mn-cs"/>
+              </a:defRPr>
+            </a:lvl9pPr>
+          </a:lstStyle>
+          <a:p>
+            <a:pPr marL="0" indent="0" algn="ctr">
+              <a:buNone/>
+            </a:pPr>
+            <a:r>
+              <a:rPr lang="" altLang="en-US" sz="1800">
+                <a:latin typeface="Ubuntu" panose="020B0604030602030204" charset="0"/>
+                <a:ea typeface="Ubuntu" panose="020B0604030602030204" charset="0"/>
+              </a:rPr>
+              <a:t>Baixo</a:t>
+            </a:r>
+            <a:endParaRPr lang="" altLang="en-US" sz="1800">
+              <a:latin typeface="Ubuntu" panose="020B0604030602030204" charset="0"/>
+              <a:ea typeface="Ubuntu" panose="020B0604030602030204" charset="0"/>
+            </a:endParaRPr>
+          </a:p>
+          <a:p>
+            <a:pPr marL="0" indent="0" algn="ctr">
+              <a:buNone/>
+            </a:pPr>
+            <a:r>
+              <a:rPr lang="" altLang="en-US" sz="1800">
+                <a:latin typeface="Ubuntu" panose="020B0604030602030204" charset="0"/>
+                <a:ea typeface="Ubuntu" panose="020B0604030602030204" charset="0"/>
+              </a:rPr>
+              <a:t>Valor</a:t>
+            </a:r>
+            <a:endParaRPr lang="" altLang="en-US" sz="1800">
+              <a:latin typeface="Ubuntu" panose="020B0604030602030204" charset="0"/>
+              <a:ea typeface="Ubuntu" panose="020B0604030602030204" charset="0"/>
+            </a:endParaRPr>
+          </a:p>
+        </p:txBody>
+      </p:sp>
+      <p:sp>
+        <p:nvSpPr>
+          <p:cNvPr id="12" name="Content Placeholder 8"/>
+          <p:cNvSpPr>
+            <a:spLocks noGrp="1"/>
+          </p:cNvSpPr>
+          <p:nvPr/>
+        </p:nvSpPr>
+        <p:spPr>
+          <a:xfrm>
+            <a:off x="7172325" y="5045075"/>
+            <a:ext cx="850900" cy="760730"/>
+          </a:xfrm>
+          <a:prstGeom prst="rect">
+            <a:avLst/>
+          </a:prstGeom>
+        </p:spPr>
+        <p:txBody>
+          <a:bodyPr vert="horz" lIns="91440" tIns="45720" rIns="91440" bIns="45720" rtlCol="0"/>
+          <a:lstStyle>
+            <a:lvl1pPr marL="228600" indent="-228600" algn="l" defTabSz="914400" rtl="0" eaLnBrk="1" latinLnBrk="0" hangingPunct="1">
+              <a:lnSpc>
+                <a:spcPct val="90000"/>
+              </a:lnSpc>
+              <a:spcBef>
+                <a:spcPts val="1000"/>
+              </a:spcBef>
+              <a:buFont typeface="Arial" panose="020B0604020202020204" pitchFamily="34" charset="0"/>
+              <a:buChar char="•"/>
+              <a:defRPr sz="2800" kern="1200">
+                <a:solidFill>
+                  <a:schemeClr val="tx1"/>
+                </a:solidFill>
+                <a:latin typeface="+mn-lt"/>
+                <a:ea typeface="+mn-ea"/>
+                <a:cs typeface="+mn-cs"/>
+              </a:defRPr>
+            </a:lvl1pPr>
+            <a:lvl2pPr marL="685800" indent="-228600" algn="l" defTabSz="914400" rtl="0" eaLnBrk="1" latinLnBrk="0" hangingPunct="1">
+              <a:lnSpc>
+                <a:spcPct val="90000"/>
+              </a:lnSpc>
+              <a:spcBef>
+                <a:spcPts val="500"/>
+              </a:spcBef>
+              <a:buFont typeface="Arial" panose="020B0604020202020204" pitchFamily="34" charset="0"/>
+              <a:buChar char="•"/>
+              <a:defRPr sz="2400" kern="1200">
+                <a:solidFill>
+                  <a:schemeClr val="tx1"/>
+                </a:solidFill>
+                <a:latin typeface="+mn-lt"/>
+                <a:ea typeface="+mn-ea"/>
+                <a:cs typeface="+mn-cs"/>
+              </a:defRPr>
+            </a:lvl2pPr>
+            <a:lvl3pPr marL="1143000" indent="-228600" algn="l" defTabSz="914400" rtl="0" eaLnBrk="1" latinLnBrk="0" hangingPunct="1">
+              <a:lnSpc>
+                <a:spcPct val="90000"/>
+              </a:lnSpc>
+              <a:spcBef>
+                <a:spcPts val="500"/>
+              </a:spcBef>
+              <a:buFont typeface="Arial" panose="020B0604020202020204" pitchFamily="34" charset="0"/>
+              <a:buChar char="•"/>
+              <a:defRPr sz="2000" kern="1200">
+                <a:solidFill>
+                  <a:schemeClr val="tx1"/>
+                </a:solidFill>
+                <a:latin typeface="+mn-lt"/>
+                <a:ea typeface="+mn-ea"/>
+                <a:cs typeface="+mn-cs"/>
+              </a:defRPr>
+            </a:lvl3pPr>
+            <a:lvl4pPr marL="1600200" indent="-228600" algn="l" defTabSz="914400" rtl="0" eaLnBrk="1" latinLnBrk="0" hangingPunct="1">
+              <a:lnSpc>
+                <a:spcPct val="90000"/>
+              </a:lnSpc>
+              <a:spcBef>
+                <a:spcPts val="500"/>
+              </a:spcBef>
+              <a:buFont typeface="Arial" panose="020B0604020202020204" pitchFamily="34" charset="0"/>
+              <a:buChar char="•"/>
+              <a:defRPr sz="1800" kern="1200">
+                <a:solidFill>
+                  <a:schemeClr val="tx1"/>
+                </a:solidFill>
+                <a:latin typeface="+mn-lt"/>
+                <a:ea typeface="+mn-ea"/>
+                <a:cs typeface="+mn-cs"/>
+              </a:defRPr>
+            </a:lvl4pPr>
+            <a:lvl5pPr marL="2057400" indent="-228600" algn="l" defTabSz="914400" rtl="0" eaLnBrk="1" latinLnBrk="0" hangingPunct="1">
+              <a:lnSpc>
+                <a:spcPct val="90000"/>
+              </a:lnSpc>
+              <a:spcBef>
+                <a:spcPts val="500"/>
+              </a:spcBef>
+              <a:buFont typeface="Arial" panose="020B0604020202020204" pitchFamily="34" charset="0"/>
+              <a:buChar char="•"/>
+              <a:defRPr sz="1800" kern="1200">
+                <a:solidFill>
+                  <a:schemeClr val="tx1"/>
+                </a:solidFill>
+                <a:latin typeface="+mn-lt"/>
+                <a:ea typeface="+mn-ea"/>
+                <a:cs typeface="+mn-cs"/>
+              </a:defRPr>
+            </a:lvl5pPr>
+            <a:lvl6pPr marL="2514600" indent="-228600" algn="l" defTabSz="914400" rtl="0" eaLnBrk="1" latinLnBrk="0" hangingPunct="1">
+              <a:lnSpc>
+                <a:spcPct val="90000"/>
+              </a:lnSpc>
+              <a:spcBef>
+                <a:spcPts val="500"/>
+              </a:spcBef>
+              <a:buFont typeface="Arial" panose="020B0604020202020204" pitchFamily="34" charset="0"/>
+              <a:buChar char="•"/>
+              <a:defRPr sz="1800" kern="1200">
+                <a:solidFill>
+                  <a:schemeClr val="tx1"/>
+                </a:solidFill>
+                <a:latin typeface="+mn-lt"/>
+                <a:ea typeface="+mn-ea"/>
+                <a:cs typeface="+mn-cs"/>
+              </a:defRPr>
+            </a:lvl6pPr>
+            <a:lvl7pPr marL="2971800" indent="-228600" algn="l" defTabSz="914400" rtl="0" eaLnBrk="1" latinLnBrk="0" hangingPunct="1">
+              <a:lnSpc>
+                <a:spcPct val="90000"/>
+              </a:lnSpc>
+              <a:spcBef>
+                <a:spcPts val="500"/>
+              </a:spcBef>
+              <a:buFont typeface="Arial" panose="020B0604020202020204" pitchFamily="34" charset="0"/>
+              <a:buChar char="•"/>
+              <a:defRPr sz="1800" kern="1200">
+                <a:solidFill>
+                  <a:schemeClr val="tx1"/>
+                </a:solidFill>
+                <a:latin typeface="+mn-lt"/>
+                <a:ea typeface="+mn-ea"/>
+                <a:cs typeface="+mn-cs"/>
+              </a:defRPr>
+            </a:lvl7pPr>
+            <a:lvl8pPr marL="3429000" indent="-228600" algn="l" defTabSz="914400" rtl="0" eaLnBrk="1" latinLnBrk="0" hangingPunct="1">
+              <a:lnSpc>
+                <a:spcPct val="90000"/>
+              </a:lnSpc>
+              <a:spcBef>
+                <a:spcPts val="500"/>
+              </a:spcBef>
+              <a:buFont typeface="Arial" panose="020B0604020202020204" pitchFamily="34" charset="0"/>
+              <a:buChar char="•"/>
+              <a:defRPr sz="1800" kern="1200">
+                <a:solidFill>
+                  <a:schemeClr val="tx1"/>
+                </a:solidFill>
+                <a:latin typeface="+mn-lt"/>
+                <a:ea typeface="+mn-ea"/>
+                <a:cs typeface="+mn-cs"/>
+              </a:defRPr>
+            </a:lvl8pPr>
+            <a:lvl9pPr marL="3886200" indent="-228600" algn="l" defTabSz="914400" rtl="0" eaLnBrk="1" latinLnBrk="0" hangingPunct="1">
+              <a:lnSpc>
+                <a:spcPct val="90000"/>
+              </a:lnSpc>
+              <a:spcBef>
+                <a:spcPts val="500"/>
+              </a:spcBef>
+              <a:buFont typeface="Arial" panose="020B0604020202020204" pitchFamily="34" charset="0"/>
+              <a:buChar char="•"/>
+              <a:defRPr sz="1800" kern="1200">
+                <a:solidFill>
+                  <a:schemeClr val="tx1"/>
+                </a:solidFill>
+                <a:latin typeface="+mn-lt"/>
+                <a:ea typeface="+mn-ea"/>
+                <a:cs typeface="+mn-cs"/>
+              </a:defRPr>
+            </a:lvl9pPr>
+          </a:lstStyle>
+          <a:p>
+            <a:pPr marL="0" indent="0" algn="ctr">
+              <a:buNone/>
+            </a:pPr>
+            <a:r>
+              <a:rPr lang="" altLang="en-US" sz="1800">
+                <a:latin typeface="Ubuntu" panose="020B0604030602030204" charset="0"/>
+                <a:ea typeface="Ubuntu" panose="020B0604030602030204" charset="0"/>
+              </a:rPr>
+              <a:t>Alto</a:t>
+            </a:r>
+            <a:endParaRPr lang="" altLang="en-US" sz="1800">
+              <a:latin typeface="Ubuntu" panose="020B0604030602030204" charset="0"/>
+              <a:ea typeface="Ubuntu" panose="020B0604030602030204" charset="0"/>
+            </a:endParaRPr>
+          </a:p>
+          <a:p>
+            <a:pPr marL="0" indent="0" algn="ctr">
+              <a:buNone/>
+            </a:pPr>
+            <a:r>
+              <a:rPr lang="en-US" altLang="en-US" sz="1800">
+                <a:latin typeface="Ubuntu" panose="020B0604030602030204" charset="0"/>
+                <a:ea typeface="Ubuntu" panose="020B0604030602030204" charset="0"/>
+              </a:rPr>
+              <a:t>Valor</a:t>
+            </a:r>
+            <a:endParaRPr lang="en-US" altLang="en-US" sz="1800">
+              <a:latin typeface="Ubuntu" panose="020B0604030602030204" charset="0"/>
+              <a:ea typeface="Ubuntu" panose="020B0604030602030204" charset="0"/>
+            </a:endParaRPr>
+          </a:p>
+        </p:txBody>
+      </p:sp>
+      <p:sp>
+        <p:nvSpPr>
+          <p:cNvPr id="13" name="Content Placeholder 8"/>
+          <p:cNvSpPr>
+            <a:spLocks noGrp="1"/>
+          </p:cNvSpPr>
+          <p:nvPr/>
+        </p:nvSpPr>
+        <p:spPr>
+          <a:xfrm>
+            <a:off x="4241165" y="2147570"/>
+            <a:ext cx="1484630" cy="335915"/>
+          </a:xfrm>
+          <a:prstGeom prst="rect">
+            <a:avLst/>
+          </a:prstGeom>
+        </p:spPr>
+        <p:txBody>
+          <a:bodyPr vert="horz" lIns="91440" tIns="45720" rIns="91440" bIns="45720" rtlCol="0"/>
+          <a:lstStyle>
+            <a:lvl1pPr marL="228600" indent="-228600" algn="l" defTabSz="914400" rtl="0" eaLnBrk="1" latinLnBrk="0" hangingPunct="1">
+              <a:lnSpc>
+                <a:spcPct val="90000"/>
+              </a:lnSpc>
+              <a:spcBef>
+                <a:spcPts val="1000"/>
+              </a:spcBef>
+              <a:buFont typeface="Arial" panose="020B0604020202020204" pitchFamily="34" charset="0"/>
+              <a:buChar char="•"/>
+              <a:defRPr sz="2800" kern="1200">
+                <a:solidFill>
+                  <a:schemeClr val="tx1"/>
+                </a:solidFill>
+                <a:latin typeface="+mn-lt"/>
+                <a:ea typeface="+mn-ea"/>
+                <a:cs typeface="+mn-cs"/>
+              </a:defRPr>
+            </a:lvl1pPr>
+            <a:lvl2pPr marL="685800" indent="-228600" algn="l" defTabSz="914400" rtl="0" eaLnBrk="1" latinLnBrk="0" hangingPunct="1">
+              <a:lnSpc>
+                <a:spcPct val="90000"/>
+              </a:lnSpc>
+              <a:spcBef>
+                <a:spcPts val="500"/>
+              </a:spcBef>
+              <a:buFont typeface="Arial" panose="020B0604020202020204" pitchFamily="34" charset="0"/>
+              <a:buChar char="•"/>
+              <a:defRPr sz="2400" kern="1200">
+                <a:solidFill>
+                  <a:schemeClr val="tx1"/>
+                </a:solidFill>
+                <a:latin typeface="+mn-lt"/>
+                <a:ea typeface="+mn-ea"/>
+                <a:cs typeface="+mn-cs"/>
+              </a:defRPr>
+            </a:lvl2pPr>
+            <a:lvl3pPr marL="1143000" indent="-228600" algn="l" defTabSz="914400" rtl="0" eaLnBrk="1" latinLnBrk="0" hangingPunct="1">
+              <a:lnSpc>
+                <a:spcPct val="90000"/>
+              </a:lnSpc>
+              <a:spcBef>
+                <a:spcPts val="500"/>
+              </a:spcBef>
+              <a:buFont typeface="Arial" panose="020B0604020202020204" pitchFamily="34" charset="0"/>
+              <a:buChar char="•"/>
+              <a:defRPr sz="2000" kern="1200">
+                <a:solidFill>
+                  <a:schemeClr val="tx1"/>
+                </a:solidFill>
+                <a:latin typeface="+mn-lt"/>
+                <a:ea typeface="+mn-ea"/>
+                <a:cs typeface="+mn-cs"/>
+              </a:defRPr>
+            </a:lvl3pPr>
+            <a:lvl4pPr marL="1600200" indent="-228600" algn="l" defTabSz="914400" rtl="0" eaLnBrk="1" latinLnBrk="0" hangingPunct="1">
+              <a:lnSpc>
+                <a:spcPct val="90000"/>
+              </a:lnSpc>
+              <a:spcBef>
+                <a:spcPts val="500"/>
+              </a:spcBef>
+              <a:buFont typeface="Arial" panose="020B0604020202020204" pitchFamily="34" charset="0"/>
+              <a:buChar char="•"/>
+              <a:defRPr sz="1800" kern="1200">
+                <a:solidFill>
+                  <a:schemeClr val="tx1"/>
+                </a:solidFill>
+                <a:latin typeface="+mn-lt"/>
+                <a:ea typeface="+mn-ea"/>
+                <a:cs typeface="+mn-cs"/>
+              </a:defRPr>
+            </a:lvl4pPr>
+            <a:lvl5pPr marL="2057400" indent="-228600" algn="l" defTabSz="914400" rtl="0" eaLnBrk="1" latinLnBrk="0" hangingPunct="1">
+              <a:lnSpc>
+                <a:spcPct val="90000"/>
+              </a:lnSpc>
+              <a:spcBef>
+                <a:spcPts val="500"/>
+              </a:spcBef>
+              <a:buFont typeface="Arial" panose="020B0604020202020204" pitchFamily="34" charset="0"/>
+              <a:buChar char="•"/>
+              <a:defRPr sz="1800" kern="1200">
+                <a:solidFill>
+                  <a:schemeClr val="tx1"/>
+                </a:solidFill>
+                <a:latin typeface="+mn-lt"/>
+                <a:ea typeface="+mn-ea"/>
+                <a:cs typeface="+mn-cs"/>
+              </a:defRPr>
+            </a:lvl5pPr>
+            <a:lvl6pPr marL="2514600" indent="-228600" algn="l" defTabSz="914400" rtl="0" eaLnBrk="1" latinLnBrk="0" hangingPunct="1">
+              <a:lnSpc>
+                <a:spcPct val="90000"/>
+              </a:lnSpc>
+              <a:spcBef>
+                <a:spcPts val="500"/>
+              </a:spcBef>
+              <a:buFont typeface="Arial" panose="020B0604020202020204" pitchFamily="34" charset="0"/>
+              <a:buChar char="•"/>
+              <a:defRPr sz="1800" kern="1200">
+                <a:solidFill>
+                  <a:schemeClr val="tx1"/>
+                </a:solidFill>
+                <a:latin typeface="+mn-lt"/>
+                <a:ea typeface="+mn-ea"/>
+                <a:cs typeface="+mn-cs"/>
+              </a:defRPr>
+            </a:lvl6pPr>
+            <a:lvl7pPr marL="2971800" indent="-228600" algn="l" defTabSz="914400" rtl="0" eaLnBrk="1" latinLnBrk="0" hangingPunct="1">
+              <a:lnSpc>
+                <a:spcPct val="90000"/>
+              </a:lnSpc>
+              <a:spcBef>
+                <a:spcPts val="500"/>
+              </a:spcBef>
+              <a:buFont typeface="Arial" panose="020B0604020202020204" pitchFamily="34" charset="0"/>
+              <a:buChar char="•"/>
+              <a:defRPr sz="1800" kern="1200">
+                <a:solidFill>
+                  <a:schemeClr val="tx1"/>
+                </a:solidFill>
+                <a:latin typeface="+mn-lt"/>
+                <a:ea typeface="+mn-ea"/>
+                <a:cs typeface="+mn-cs"/>
+              </a:defRPr>
+            </a:lvl7pPr>
+            <a:lvl8pPr marL="3429000" indent="-228600" algn="l" defTabSz="914400" rtl="0" eaLnBrk="1" latinLnBrk="0" hangingPunct="1">
+              <a:lnSpc>
+                <a:spcPct val="90000"/>
+              </a:lnSpc>
+              <a:spcBef>
+                <a:spcPts val="500"/>
+              </a:spcBef>
+              <a:buFont typeface="Arial" panose="020B0604020202020204" pitchFamily="34" charset="0"/>
+              <a:buChar char="•"/>
+              <a:defRPr sz="1800" kern="1200">
+                <a:solidFill>
+                  <a:schemeClr val="tx1"/>
+                </a:solidFill>
+                <a:latin typeface="+mn-lt"/>
+                <a:ea typeface="+mn-ea"/>
+                <a:cs typeface="+mn-cs"/>
+              </a:defRPr>
+            </a:lvl8pPr>
+            <a:lvl9pPr marL="3886200" indent="-228600" algn="l" defTabSz="914400" rtl="0" eaLnBrk="1" latinLnBrk="0" hangingPunct="1">
+              <a:lnSpc>
+                <a:spcPct val="90000"/>
+              </a:lnSpc>
+              <a:spcBef>
+                <a:spcPts val="500"/>
+              </a:spcBef>
+              <a:buFont typeface="Arial" panose="020B0604020202020204" pitchFamily="34" charset="0"/>
+              <a:buChar char="•"/>
+              <a:defRPr sz="1800" kern="1200">
+                <a:solidFill>
+                  <a:schemeClr val="tx1"/>
+                </a:solidFill>
+                <a:latin typeface="+mn-lt"/>
+                <a:ea typeface="+mn-ea"/>
+                <a:cs typeface="+mn-cs"/>
+              </a:defRPr>
+            </a:lvl9pPr>
+          </a:lstStyle>
+          <a:p>
+            <a:pPr marL="0" indent="0">
+              <a:buNone/>
+            </a:pPr>
+            <a:r>
+              <a:rPr lang="" altLang="en-US" sz="1800">
+                <a:latin typeface="Ubuntu" panose="020B0604030602030204" charset="0"/>
+                <a:ea typeface="Ubuntu" panose="020B0604030602030204" charset="0"/>
+              </a:rPr>
+              <a:t>Stop Words</a:t>
+            </a:r>
+            <a:endParaRPr lang="" altLang="en-US" sz="1800">
+              <a:latin typeface="Ubuntu" panose="020B0604030602030204" charset="0"/>
+              <a:ea typeface="Ubuntu" panose="020B0604030602030204" charset="0"/>
+            </a:endParaRPr>
+          </a:p>
+        </p:txBody>
+      </p:sp>
+      <p:sp>
+        <p:nvSpPr>
+          <p:cNvPr id="14" name="Content Placeholder 8"/>
+          <p:cNvSpPr>
+            <a:spLocks noGrp="1"/>
+          </p:cNvSpPr>
+          <p:nvPr/>
+        </p:nvSpPr>
+        <p:spPr>
+          <a:xfrm>
+            <a:off x="5019675" y="3003550"/>
+            <a:ext cx="1484630" cy="739775"/>
+          </a:xfrm>
+          <a:prstGeom prst="rect">
+            <a:avLst/>
+          </a:prstGeom>
+        </p:spPr>
+        <p:txBody>
+          <a:bodyPr vert="horz" lIns="91440" tIns="45720" rIns="91440" bIns="45720" rtlCol="0"/>
+          <a:lstStyle>
+            <a:lvl1pPr marL="228600" indent="-228600" algn="l" defTabSz="914400" rtl="0" eaLnBrk="1" latinLnBrk="0" hangingPunct="1">
+              <a:lnSpc>
+                <a:spcPct val="90000"/>
+              </a:lnSpc>
+              <a:spcBef>
+                <a:spcPts val="1000"/>
+              </a:spcBef>
+              <a:buFont typeface="Arial" panose="020B0604020202020204" pitchFamily="34" charset="0"/>
+              <a:buChar char="•"/>
+              <a:defRPr sz="2800" kern="1200">
+                <a:solidFill>
+                  <a:schemeClr val="tx1"/>
+                </a:solidFill>
+                <a:latin typeface="+mn-lt"/>
+                <a:ea typeface="+mn-ea"/>
+                <a:cs typeface="+mn-cs"/>
+              </a:defRPr>
+            </a:lvl1pPr>
+            <a:lvl2pPr marL="685800" indent="-228600" algn="l" defTabSz="914400" rtl="0" eaLnBrk="1" latinLnBrk="0" hangingPunct="1">
+              <a:lnSpc>
+                <a:spcPct val="90000"/>
+              </a:lnSpc>
+              <a:spcBef>
+                <a:spcPts val="500"/>
+              </a:spcBef>
+              <a:buFont typeface="Arial" panose="020B0604020202020204" pitchFamily="34" charset="0"/>
+              <a:buChar char="•"/>
+              <a:defRPr sz="2400" kern="1200">
+                <a:solidFill>
+                  <a:schemeClr val="tx1"/>
+                </a:solidFill>
+                <a:latin typeface="+mn-lt"/>
+                <a:ea typeface="+mn-ea"/>
+                <a:cs typeface="+mn-cs"/>
+              </a:defRPr>
+            </a:lvl2pPr>
+            <a:lvl3pPr marL="1143000" indent="-228600" algn="l" defTabSz="914400" rtl="0" eaLnBrk="1" latinLnBrk="0" hangingPunct="1">
+              <a:lnSpc>
+                <a:spcPct val="90000"/>
+              </a:lnSpc>
+              <a:spcBef>
+                <a:spcPts val="500"/>
+              </a:spcBef>
+              <a:buFont typeface="Arial" panose="020B0604020202020204" pitchFamily="34" charset="0"/>
+              <a:buChar char="•"/>
+              <a:defRPr sz="2000" kern="1200">
+                <a:solidFill>
+                  <a:schemeClr val="tx1"/>
+                </a:solidFill>
+                <a:latin typeface="+mn-lt"/>
+                <a:ea typeface="+mn-ea"/>
+                <a:cs typeface="+mn-cs"/>
+              </a:defRPr>
+            </a:lvl3pPr>
+            <a:lvl4pPr marL="1600200" indent="-228600" algn="l" defTabSz="914400" rtl="0" eaLnBrk="1" latinLnBrk="0" hangingPunct="1">
+              <a:lnSpc>
+                <a:spcPct val="90000"/>
+              </a:lnSpc>
+              <a:spcBef>
+                <a:spcPts val="500"/>
+              </a:spcBef>
+              <a:buFont typeface="Arial" panose="020B0604020202020204" pitchFamily="34" charset="0"/>
+              <a:buChar char="•"/>
+              <a:defRPr sz="1800" kern="1200">
+                <a:solidFill>
+                  <a:schemeClr val="tx1"/>
+                </a:solidFill>
+                <a:latin typeface="+mn-lt"/>
+                <a:ea typeface="+mn-ea"/>
+                <a:cs typeface="+mn-cs"/>
+              </a:defRPr>
+            </a:lvl4pPr>
+            <a:lvl5pPr marL="2057400" indent="-228600" algn="l" defTabSz="914400" rtl="0" eaLnBrk="1" latinLnBrk="0" hangingPunct="1">
+              <a:lnSpc>
+                <a:spcPct val="90000"/>
+              </a:lnSpc>
+              <a:spcBef>
+                <a:spcPts val="500"/>
+              </a:spcBef>
+              <a:buFont typeface="Arial" panose="020B0604020202020204" pitchFamily="34" charset="0"/>
+              <a:buChar char="•"/>
+              <a:defRPr sz="1800" kern="1200">
+                <a:solidFill>
+                  <a:schemeClr val="tx1"/>
+                </a:solidFill>
+                <a:latin typeface="+mn-lt"/>
+                <a:ea typeface="+mn-ea"/>
+                <a:cs typeface="+mn-cs"/>
+              </a:defRPr>
+            </a:lvl5pPr>
+            <a:lvl6pPr marL="2514600" indent="-228600" algn="l" defTabSz="914400" rtl="0" eaLnBrk="1" latinLnBrk="0" hangingPunct="1">
+              <a:lnSpc>
+                <a:spcPct val="90000"/>
+              </a:lnSpc>
+              <a:spcBef>
+                <a:spcPts val="500"/>
+              </a:spcBef>
+              <a:buFont typeface="Arial" panose="020B0604020202020204" pitchFamily="34" charset="0"/>
+              <a:buChar char="•"/>
+              <a:defRPr sz="1800" kern="1200">
+                <a:solidFill>
+                  <a:schemeClr val="tx1"/>
+                </a:solidFill>
+                <a:latin typeface="+mn-lt"/>
+                <a:ea typeface="+mn-ea"/>
+                <a:cs typeface="+mn-cs"/>
+              </a:defRPr>
+            </a:lvl6pPr>
+            <a:lvl7pPr marL="2971800" indent="-228600" algn="l" defTabSz="914400" rtl="0" eaLnBrk="1" latinLnBrk="0" hangingPunct="1">
+              <a:lnSpc>
+                <a:spcPct val="90000"/>
+              </a:lnSpc>
+              <a:spcBef>
+                <a:spcPts val="500"/>
+              </a:spcBef>
+              <a:buFont typeface="Arial" panose="020B0604020202020204" pitchFamily="34" charset="0"/>
+              <a:buChar char="•"/>
+              <a:defRPr sz="1800" kern="1200">
+                <a:solidFill>
+                  <a:schemeClr val="tx1"/>
+                </a:solidFill>
+                <a:latin typeface="+mn-lt"/>
+                <a:ea typeface="+mn-ea"/>
+                <a:cs typeface="+mn-cs"/>
+              </a:defRPr>
+            </a:lvl7pPr>
+            <a:lvl8pPr marL="3429000" indent="-228600" algn="l" defTabSz="914400" rtl="0" eaLnBrk="1" latinLnBrk="0" hangingPunct="1">
+              <a:lnSpc>
+                <a:spcPct val="90000"/>
+              </a:lnSpc>
+              <a:spcBef>
+                <a:spcPts val="500"/>
+              </a:spcBef>
+              <a:buFont typeface="Arial" panose="020B0604020202020204" pitchFamily="34" charset="0"/>
+              <a:buChar char="•"/>
+              <a:defRPr sz="1800" kern="1200">
+                <a:solidFill>
+                  <a:schemeClr val="tx1"/>
+                </a:solidFill>
+                <a:latin typeface="+mn-lt"/>
+                <a:ea typeface="+mn-ea"/>
+                <a:cs typeface="+mn-cs"/>
+              </a:defRPr>
+            </a:lvl8pPr>
+            <a:lvl9pPr marL="3886200" indent="-228600" algn="l" defTabSz="914400" rtl="0" eaLnBrk="1" latinLnBrk="0" hangingPunct="1">
+              <a:lnSpc>
+                <a:spcPct val="90000"/>
+              </a:lnSpc>
+              <a:spcBef>
+                <a:spcPts val="500"/>
+              </a:spcBef>
+              <a:buFont typeface="Arial" panose="020B0604020202020204" pitchFamily="34" charset="0"/>
+              <a:buChar char="•"/>
+              <a:defRPr sz="1800" kern="1200">
+                <a:solidFill>
+                  <a:schemeClr val="tx1"/>
+                </a:solidFill>
+                <a:latin typeface="+mn-lt"/>
+                <a:ea typeface="+mn-ea"/>
+                <a:cs typeface="+mn-cs"/>
+              </a:defRPr>
+            </a:lvl9pPr>
+          </a:lstStyle>
+          <a:p>
+            <a:pPr marL="0" indent="0">
+              <a:buNone/>
+            </a:pPr>
+            <a:r>
+              <a:rPr lang="" altLang="en-US" sz="1800">
+                <a:latin typeface="Ubuntu" panose="020B0604030602030204" charset="0"/>
+                <a:ea typeface="Ubuntu" panose="020B0604030602030204" charset="0"/>
+              </a:rPr>
+              <a:t>Palavras</a:t>
+            </a:r>
+            <a:endParaRPr lang="" altLang="en-US" sz="1800">
+              <a:latin typeface="Ubuntu" panose="020B0604030602030204" charset="0"/>
+              <a:ea typeface="Ubuntu" panose="020B0604030602030204" charset="0"/>
+            </a:endParaRPr>
+          </a:p>
+          <a:p>
+            <a:pPr marL="0" indent="0">
+              <a:buNone/>
+            </a:pPr>
+            <a:r>
+              <a:rPr lang="" altLang="en-US" sz="1800">
+                <a:latin typeface="Ubuntu" panose="020B0604030602030204" charset="0"/>
+                <a:ea typeface="Ubuntu" panose="020B0604030602030204" charset="0"/>
+              </a:rPr>
+              <a:t>Frequentes</a:t>
+            </a:r>
+            <a:endParaRPr lang="en-US" altLang="en-US" sz="1800">
+              <a:latin typeface="Ubuntu" panose="020B0604030602030204" charset="0"/>
+              <a:ea typeface="Ubuntu" panose="020B0604030602030204" charset="0"/>
+            </a:endParaRPr>
+          </a:p>
+        </p:txBody>
+      </p:sp>
+      <p:sp>
+        <p:nvSpPr>
+          <p:cNvPr id="15" name="Content Placeholder 8"/>
+          <p:cNvSpPr>
+            <a:spLocks noGrp="1"/>
+          </p:cNvSpPr>
+          <p:nvPr/>
+        </p:nvSpPr>
+        <p:spPr>
+          <a:xfrm>
+            <a:off x="6877050" y="4048125"/>
+            <a:ext cx="1146175" cy="739775"/>
+          </a:xfrm>
+          <a:prstGeom prst="rect">
+            <a:avLst/>
+          </a:prstGeom>
+        </p:spPr>
+        <p:txBody>
+          <a:bodyPr vert="horz" lIns="91440" tIns="45720" rIns="91440" bIns="45720" rtlCol="0"/>
+          <a:lstStyle>
+            <a:lvl1pPr marL="228600" indent="-228600" algn="l" defTabSz="914400" rtl="0" eaLnBrk="1" latinLnBrk="0" hangingPunct="1">
+              <a:lnSpc>
+                <a:spcPct val="90000"/>
+              </a:lnSpc>
+              <a:spcBef>
+                <a:spcPts val="1000"/>
+              </a:spcBef>
+              <a:buFont typeface="Arial" panose="020B0604020202020204" pitchFamily="34" charset="0"/>
+              <a:buChar char="•"/>
+              <a:defRPr sz="2800" kern="1200">
+                <a:solidFill>
+                  <a:schemeClr val="tx1"/>
+                </a:solidFill>
+                <a:latin typeface="+mn-lt"/>
+                <a:ea typeface="+mn-ea"/>
+                <a:cs typeface="+mn-cs"/>
+              </a:defRPr>
+            </a:lvl1pPr>
+            <a:lvl2pPr marL="685800" indent="-228600" algn="l" defTabSz="914400" rtl="0" eaLnBrk="1" latinLnBrk="0" hangingPunct="1">
+              <a:lnSpc>
+                <a:spcPct val="90000"/>
+              </a:lnSpc>
+              <a:spcBef>
+                <a:spcPts val="500"/>
+              </a:spcBef>
+              <a:buFont typeface="Arial" panose="020B0604020202020204" pitchFamily="34" charset="0"/>
+              <a:buChar char="•"/>
+              <a:defRPr sz="2400" kern="1200">
+                <a:solidFill>
+                  <a:schemeClr val="tx1"/>
+                </a:solidFill>
+                <a:latin typeface="+mn-lt"/>
+                <a:ea typeface="+mn-ea"/>
+                <a:cs typeface="+mn-cs"/>
+              </a:defRPr>
+            </a:lvl2pPr>
+            <a:lvl3pPr marL="1143000" indent="-228600" algn="l" defTabSz="914400" rtl="0" eaLnBrk="1" latinLnBrk="0" hangingPunct="1">
+              <a:lnSpc>
+                <a:spcPct val="90000"/>
+              </a:lnSpc>
+              <a:spcBef>
+                <a:spcPts val="500"/>
+              </a:spcBef>
+              <a:buFont typeface="Arial" panose="020B0604020202020204" pitchFamily="34" charset="0"/>
+              <a:buChar char="•"/>
+              <a:defRPr sz="2000" kern="1200">
+                <a:solidFill>
+                  <a:schemeClr val="tx1"/>
+                </a:solidFill>
+                <a:latin typeface="+mn-lt"/>
+                <a:ea typeface="+mn-ea"/>
+                <a:cs typeface="+mn-cs"/>
+              </a:defRPr>
+            </a:lvl3pPr>
+            <a:lvl4pPr marL="1600200" indent="-228600" algn="l" defTabSz="914400" rtl="0" eaLnBrk="1" latinLnBrk="0" hangingPunct="1">
+              <a:lnSpc>
+                <a:spcPct val="90000"/>
+              </a:lnSpc>
+              <a:spcBef>
+                <a:spcPts val="500"/>
+              </a:spcBef>
+              <a:buFont typeface="Arial" panose="020B0604020202020204" pitchFamily="34" charset="0"/>
+              <a:buChar char="•"/>
+              <a:defRPr sz="1800" kern="1200">
+                <a:solidFill>
+                  <a:schemeClr val="tx1"/>
+                </a:solidFill>
+                <a:latin typeface="+mn-lt"/>
+                <a:ea typeface="+mn-ea"/>
+                <a:cs typeface="+mn-cs"/>
+              </a:defRPr>
+            </a:lvl4pPr>
+            <a:lvl5pPr marL="2057400" indent="-228600" algn="l" defTabSz="914400" rtl="0" eaLnBrk="1" latinLnBrk="0" hangingPunct="1">
+              <a:lnSpc>
+                <a:spcPct val="90000"/>
+              </a:lnSpc>
+              <a:spcBef>
+                <a:spcPts val="500"/>
+              </a:spcBef>
+              <a:buFont typeface="Arial" panose="020B0604020202020204" pitchFamily="34" charset="0"/>
+              <a:buChar char="•"/>
+              <a:defRPr sz="1800" kern="1200">
+                <a:solidFill>
+                  <a:schemeClr val="tx1"/>
+                </a:solidFill>
+                <a:latin typeface="+mn-lt"/>
+                <a:ea typeface="+mn-ea"/>
+                <a:cs typeface="+mn-cs"/>
+              </a:defRPr>
+            </a:lvl5pPr>
+            <a:lvl6pPr marL="2514600" indent="-228600" algn="l" defTabSz="914400" rtl="0" eaLnBrk="1" latinLnBrk="0" hangingPunct="1">
+              <a:lnSpc>
+                <a:spcPct val="90000"/>
+              </a:lnSpc>
+              <a:spcBef>
+                <a:spcPts val="500"/>
+              </a:spcBef>
+              <a:buFont typeface="Arial" panose="020B0604020202020204" pitchFamily="34" charset="0"/>
+              <a:buChar char="•"/>
+              <a:defRPr sz="1800" kern="1200">
+                <a:solidFill>
+                  <a:schemeClr val="tx1"/>
+                </a:solidFill>
+                <a:latin typeface="+mn-lt"/>
+                <a:ea typeface="+mn-ea"/>
+                <a:cs typeface="+mn-cs"/>
+              </a:defRPr>
+            </a:lvl6pPr>
+            <a:lvl7pPr marL="2971800" indent="-228600" algn="l" defTabSz="914400" rtl="0" eaLnBrk="1" latinLnBrk="0" hangingPunct="1">
+              <a:lnSpc>
+                <a:spcPct val="90000"/>
+              </a:lnSpc>
+              <a:spcBef>
+                <a:spcPts val="500"/>
+              </a:spcBef>
+              <a:buFont typeface="Arial" panose="020B0604020202020204" pitchFamily="34" charset="0"/>
+              <a:buChar char="•"/>
+              <a:defRPr sz="1800" kern="1200">
+                <a:solidFill>
+                  <a:schemeClr val="tx1"/>
+                </a:solidFill>
+                <a:latin typeface="+mn-lt"/>
+                <a:ea typeface="+mn-ea"/>
+                <a:cs typeface="+mn-cs"/>
+              </a:defRPr>
+            </a:lvl7pPr>
+            <a:lvl8pPr marL="3429000" indent="-228600" algn="l" defTabSz="914400" rtl="0" eaLnBrk="1" latinLnBrk="0" hangingPunct="1">
+              <a:lnSpc>
+                <a:spcPct val="90000"/>
+              </a:lnSpc>
+              <a:spcBef>
+                <a:spcPts val="500"/>
+              </a:spcBef>
+              <a:buFont typeface="Arial" panose="020B0604020202020204" pitchFamily="34" charset="0"/>
+              <a:buChar char="•"/>
+              <a:defRPr sz="1800" kern="1200">
+                <a:solidFill>
+                  <a:schemeClr val="tx1"/>
+                </a:solidFill>
+                <a:latin typeface="+mn-lt"/>
+                <a:ea typeface="+mn-ea"/>
+                <a:cs typeface="+mn-cs"/>
+              </a:defRPr>
+            </a:lvl8pPr>
+            <a:lvl9pPr marL="3886200" indent="-228600" algn="l" defTabSz="914400" rtl="0" eaLnBrk="1" latinLnBrk="0" hangingPunct="1">
+              <a:lnSpc>
+                <a:spcPct val="90000"/>
+              </a:lnSpc>
+              <a:spcBef>
+                <a:spcPts val="500"/>
+              </a:spcBef>
+              <a:buFont typeface="Arial" panose="020B0604020202020204" pitchFamily="34" charset="0"/>
+              <a:buChar char="•"/>
+              <a:defRPr sz="1800" kern="1200">
+                <a:solidFill>
+                  <a:schemeClr val="tx1"/>
+                </a:solidFill>
+                <a:latin typeface="+mn-lt"/>
+                <a:ea typeface="+mn-ea"/>
+                <a:cs typeface="+mn-cs"/>
+              </a:defRPr>
+            </a:lvl9pPr>
+          </a:lstStyle>
+          <a:p>
+            <a:pPr marL="0" indent="0">
+              <a:buNone/>
+            </a:pPr>
+            <a:r>
+              <a:rPr lang="en-US" altLang="en-US" sz="1800">
+                <a:latin typeface="Ubuntu" panose="020B0604030602030204" charset="0"/>
+                <a:ea typeface="Ubuntu" panose="020B0604030602030204" charset="0"/>
+              </a:rPr>
+              <a:t>Palavras</a:t>
+            </a:r>
+            <a:endParaRPr lang="en-US" altLang="en-US" sz="1800">
+              <a:latin typeface="Ubuntu" panose="020B0604030602030204" charset="0"/>
+              <a:ea typeface="Ubuntu" panose="020B0604030602030204" charset="0"/>
+            </a:endParaRPr>
+          </a:p>
+          <a:p>
+            <a:pPr marL="0" indent="0">
+              <a:buNone/>
+            </a:pPr>
+            <a:r>
+              <a:rPr lang="" altLang="en-US" sz="1800">
+                <a:latin typeface="Ubuntu" panose="020B0604030602030204" charset="0"/>
+                <a:ea typeface="Ubuntu" panose="020B0604030602030204" charset="0"/>
+              </a:rPr>
+              <a:t>Raras</a:t>
+            </a:r>
+            <a:endParaRPr lang="" altLang="en-US" sz="1800">
+              <a:latin typeface="Ubuntu" panose="020B0604030602030204" charset="0"/>
+              <a:ea typeface="Ubuntu" panose="020B0604030602030204" charset="0"/>
+            </a:endParaRPr>
+          </a:p>
+        </p:txBody>
+      </p:sp>
+      <p:sp>
+        <p:nvSpPr>
+          <p:cNvPr id="16" name="Content Placeholder 8"/>
+          <p:cNvSpPr>
+            <a:spLocks noGrp="1"/>
+          </p:cNvSpPr>
+          <p:nvPr/>
+        </p:nvSpPr>
+        <p:spPr>
+          <a:xfrm>
+            <a:off x="2749550" y="5805805"/>
+            <a:ext cx="6026785" cy="422910"/>
+          </a:xfrm>
+          <a:prstGeom prst="rect">
+            <a:avLst/>
+          </a:prstGeom>
+        </p:spPr>
+        <p:txBody>
+          <a:bodyPr vert="horz" lIns="91440" tIns="45720" rIns="91440" bIns="45720" rtlCol="0"/>
+          <a:lstStyle>
+            <a:lvl1pPr marL="228600" indent="-228600" algn="l" defTabSz="914400" rtl="0" eaLnBrk="1" latinLnBrk="0" hangingPunct="1">
+              <a:lnSpc>
+                <a:spcPct val="90000"/>
+              </a:lnSpc>
+              <a:spcBef>
+                <a:spcPts val="1000"/>
+              </a:spcBef>
+              <a:buFont typeface="Arial" panose="020B0604020202020204" pitchFamily="34" charset="0"/>
+              <a:buChar char="•"/>
+              <a:defRPr sz="2800" kern="1200">
+                <a:solidFill>
+                  <a:schemeClr val="tx1"/>
+                </a:solidFill>
+                <a:latin typeface="+mn-lt"/>
+                <a:ea typeface="+mn-ea"/>
+                <a:cs typeface="+mn-cs"/>
+              </a:defRPr>
+            </a:lvl1pPr>
+            <a:lvl2pPr marL="685800" indent="-228600" algn="l" defTabSz="914400" rtl="0" eaLnBrk="1" latinLnBrk="0" hangingPunct="1">
+              <a:lnSpc>
+                <a:spcPct val="90000"/>
+              </a:lnSpc>
+              <a:spcBef>
+                <a:spcPts val="500"/>
+              </a:spcBef>
+              <a:buFont typeface="Arial" panose="020B0604020202020204" pitchFamily="34" charset="0"/>
+              <a:buChar char="•"/>
+              <a:defRPr sz="2400" kern="1200">
+                <a:solidFill>
+                  <a:schemeClr val="tx1"/>
+                </a:solidFill>
+                <a:latin typeface="+mn-lt"/>
+                <a:ea typeface="+mn-ea"/>
+                <a:cs typeface="+mn-cs"/>
+              </a:defRPr>
+            </a:lvl2pPr>
+            <a:lvl3pPr marL="1143000" indent="-228600" algn="l" defTabSz="914400" rtl="0" eaLnBrk="1" latinLnBrk="0" hangingPunct="1">
+              <a:lnSpc>
+                <a:spcPct val="90000"/>
+              </a:lnSpc>
+              <a:spcBef>
+                <a:spcPts val="500"/>
+              </a:spcBef>
+              <a:buFont typeface="Arial" panose="020B0604020202020204" pitchFamily="34" charset="0"/>
+              <a:buChar char="•"/>
+              <a:defRPr sz="2000" kern="1200">
+                <a:solidFill>
+                  <a:schemeClr val="tx1"/>
+                </a:solidFill>
+                <a:latin typeface="+mn-lt"/>
+                <a:ea typeface="+mn-ea"/>
+                <a:cs typeface="+mn-cs"/>
+              </a:defRPr>
+            </a:lvl3pPr>
+            <a:lvl4pPr marL="1600200" indent="-228600" algn="l" defTabSz="914400" rtl="0" eaLnBrk="1" latinLnBrk="0" hangingPunct="1">
+              <a:lnSpc>
+                <a:spcPct val="90000"/>
+              </a:lnSpc>
+              <a:spcBef>
+                <a:spcPts val="500"/>
+              </a:spcBef>
+              <a:buFont typeface="Arial" panose="020B0604020202020204" pitchFamily="34" charset="0"/>
+              <a:buChar char="•"/>
+              <a:defRPr sz="1800" kern="1200">
+                <a:solidFill>
+                  <a:schemeClr val="tx1"/>
+                </a:solidFill>
+                <a:latin typeface="+mn-lt"/>
+                <a:ea typeface="+mn-ea"/>
+                <a:cs typeface="+mn-cs"/>
+              </a:defRPr>
+            </a:lvl4pPr>
+            <a:lvl5pPr marL="2057400" indent="-228600" algn="l" defTabSz="914400" rtl="0" eaLnBrk="1" latinLnBrk="0" hangingPunct="1">
+              <a:lnSpc>
+                <a:spcPct val="90000"/>
+              </a:lnSpc>
+              <a:spcBef>
+                <a:spcPts val="500"/>
+              </a:spcBef>
+              <a:buFont typeface="Arial" panose="020B0604020202020204" pitchFamily="34" charset="0"/>
+              <a:buChar char="•"/>
+              <a:defRPr sz="1800" kern="1200">
+                <a:solidFill>
+                  <a:schemeClr val="tx1"/>
+                </a:solidFill>
+                <a:latin typeface="+mn-lt"/>
+                <a:ea typeface="+mn-ea"/>
+                <a:cs typeface="+mn-cs"/>
+              </a:defRPr>
+            </a:lvl5pPr>
+            <a:lvl6pPr marL="2514600" indent="-228600" algn="l" defTabSz="914400" rtl="0" eaLnBrk="1" latinLnBrk="0" hangingPunct="1">
+              <a:lnSpc>
+                <a:spcPct val="90000"/>
+              </a:lnSpc>
+              <a:spcBef>
+                <a:spcPts val="500"/>
+              </a:spcBef>
+              <a:buFont typeface="Arial" panose="020B0604020202020204" pitchFamily="34" charset="0"/>
+              <a:buChar char="•"/>
+              <a:defRPr sz="1800" kern="1200">
+                <a:solidFill>
+                  <a:schemeClr val="tx1"/>
+                </a:solidFill>
+                <a:latin typeface="+mn-lt"/>
+                <a:ea typeface="+mn-ea"/>
+                <a:cs typeface="+mn-cs"/>
+              </a:defRPr>
+            </a:lvl6pPr>
+            <a:lvl7pPr marL="2971800" indent="-228600" algn="l" defTabSz="914400" rtl="0" eaLnBrk="1" latinLnBrk="0" hangingPunct="1">
+              <a:lnSpc>
+                <a:spcPct val="90000"/>
+              </a:lnSpc>
+              <a:spcBef>
+                <a:spcPts val="500"/>
+              </a:spcBef>
+              <a:buFont typeface="Arial" panose="020B0604020202020204" pitchFamily="34" charset="0"/>
+              <a:buChar char="•"/>
+              <a:defRPr sz="1800" kern="1200">
+                <a:solidFill>
+                  <a:schemeClr val="tx1"/>
+                </a:solidFill>
+                <a:latin typeface="+mn-lt"/>
+                <a:ea typeface="+mn-ea"/>
+                <a:cs typeface="+mn-cs"/>
+              </a:defRPr>
+            </a:lvl7pPr>
+            <a:lvl8pPr marL="3429000" indent="-228600" algn="l" defTabSz="914400" rtl="0" eaLnBrk="1" latinLnBrk="0" hangingPunct="1">
+              <a:lnSpc>
+                <a:spcPct val="90000"/>
+              </a:lnSpc>
+              <a:spcBef>
+                <a:spcPts val="500"/>
+              </a:spcBef>
+              <a:buFont typeface="Arial" panose="020B0604020202020204" pitchFamily="34" charset="0"/>
+              <a:buChar char="•"/>
+              <a:defRPr sz="1800" kern="1200">
+                <a:solidFill>
+                  <a:schemeClr val="tx1"/>
+                </a:solidFill>
+                <a:latin typeface="+mn-lt"/>
+                <a:ea typeface="+mn-ea"/>
+                <a:cs typeface="+mn-cs"/>
+              </a:defRPr>
+            </a:lvl8pPr>
+            <a:lvl9pPr marL="3886200" indent="-228600" algn="l" defTabSz="914400" rtl="0" eaLnBrk="1" latinLnBrk="0" hangingPunct="1">
+              <a:lnSpc>
+                <a:spcPct val="90000"/>
+              </a:lnSpc>
+              <a:spcBef>
+                <a:spcPts val="500"/>
+              </a:spcBef>
+              <a:buFont typeface="Arial" panose="020B0604020202020204" pitchFamily="34" charset="0"/>
+              <a:buChar char="•"/>
+              <a:defRPr sz="1800" kern="1200">
+                <a:solidFill>
+                  <a:schemeClr val="tx1"/>
+                </a:solidFill>
+                <a:latin typeface="+mn-lt"/>
+                <a:ea typeface="+mn-ea"/>
+                <a:cs typeface="+mn-cs"/>
+              </a:defRPr>
+            </a:lvl9pPr>
+          </a:lstStyle>
+          <a:p>
+            <a:pPr marL="0" indent="0" algn="l">
+              <a:buNone/>
+            </a:pPr>
+            <a:r>
+              <a:rPr lang="" altLang="en-US" sz="1800">
+                <a:solidFill>
+                  <a:srgbClr val="FF0000"/>
+                </a:solidFill>
+                <a:latin typeface="Ubuntu" panose="020B0604030602030204" charset="0"/>
+                <a:ea typeface="Ubuntu" panose="020B0604030602030204" charset="0"/>
+              </a:rPr>
+              <a:t>TF-IDF:          0                             1.5                            3.0</a:t>
+            </a:r>
+            <a:endParaRPr lang="" altLang="en-US" sz="1800">
+              <a:solidFill>
+                <a:srgbClr val="FF0000"/>
+              </a:solidFill>
               <a:latin typeface="Ubuntu" panose="020B0604030602030204" charset="0"/>
               <a:ea typeface="Ubuntu" panose="020B0604030602030204" charset="0"/>
             </a:endParaRPr>

--- a/sxsw.pptx
+++ b/sxsw.pptx
@@ -6,15 +6,13 @@
   </p:sldMasterIdLst>
   <p:sldIdLst>
     <p:sldId id="256" r:id="rId3"/>
-    <p:sldId id="257" r:id="rId4"/>
-    <p:sldId id="258" r:id="rId5"/>
-    <p:sldId id="260" r:id="rId6"/>
-    <p:sldId id="263" r:id="rId7"/>
-    <p:sldId id="262" r:id="rId8"/>
-    <p:sldId id="265" r:id="rId9"/>
-    <p:sldId id="266" r:id="rId10"/>
-    <p:sldId id="267" r:id="rId11"/>
-    <p:sldId id="268" r:id="rId12"/>
+    <p:sldId id="258" r:id="rId4"/>
+    <p:sldId id="262" r:id="rId5"/>
+    <p:sldId id="265" r:id="rId6"/>
+    <p:sldId id="266" r:id="rId7"/>
+    <p:sldId id="267" r:id="rId8"/>
+    <p:sldId id="268" r:id="rId9"/>
+    <p:sldId id="269" r:id="rId10"/>
   </p:sldIdLst>
   <p:sldSz cx="12192000" cy="6858000"/>
   <p:notesSz cx="7103745" cy="10234295"/>
@@ -2668,249 +2666,7 @@
 </p:sld>
 </file>
 
-<file path=ppt/slides/slide10.xml><?xml version="1.0" encoding="utf-8"?>
-<p:sld xmlns:a="http://schemas.openxmlformats.org/drawingml/2006/main" xmlns:r="http://schemas.openxmlformats.org/officeDocument/2006/relationships" xmlns:p="http://schemas.openxmlformats.org/presentationml/2006/main">
-  <p:cSld>
-    <p:bg>
-      <p:bgPr>
-        <a:solidFill>
-          <a:srgbClr val="58D1A8"/>
-        </a:solidFill>
-        <a:effectLst/>
-      </p:bgPr>
-    </p:bg>
-    <p:spTree>
-      <p:nvGrpSpPr>
-        <p:cNvPr id="1" name=""/>
-        <p:cNvGrpSpPr/>
-        <p:nvPr/>
-      </p:nvGrpSpPr>
-      <p:grpSpPr/>
-      <p:sp>
-        <p:nvSpPr>
-          <p:cNvPr id="2" name="Title 1"/>
-          <p:cNvSpPr>
-            <a:spLocks noGrp="1"/>
-          </p:cNvSpPr>
-          <p:nvPr>
-            <p:ph type="title"/>
-          </p:nvPr>
-        </p:nvSpPr>
-        <p:spPr/>
-        <p:txBody>
-          <a:bodyPr>
-            <a:normAutofit fontScale="90000"/>
-          </a:bodyPr>
-          <a:p>
-            <a:r>
-              <a:rPr lang="" altLang="en-US">
-                <a:latin typeface="Ubuntu" panose="020B0604030602030204" charset="0"/>
-                <a:ea typeface="Ubuntu" panose="020B0604030602030204" charset="0"/>
-                <a:sym typeface="+mn-ea"/>
-              </a:rPr>
-              <a:t>4. </a:t>
-            </a:r>
-            <a:r>
-              <a:rPr lang="en-US" altLang="en-US">
-                <a:latin typeface="Ubuntu" panose="020B0604030602030204" charset="0"/>
-                <a:ea typeface="Ubuntu" panose="020B0604030602030204" charset="0"/>
-                <a:sym typeface="+mn-ea"/>
-              </a:rPr>
-              <a:t>Montagem da Agenda (função de custo)</a:t>
-            </a:r>
-            <a:endParaRPr lang="en-US" altLang="en-US">
-              <a:latin typeface="Ubuntu" panose="020B0604030602030204" charset="0"/>
-              <a:ea typeface="Ubuntu" panose="020B0604030602030204" charset="0"/>
-            </a:endParaRPr>
-          </a:p>
-        </p:txBody>
-      </p:sp>
-      <p:sp>
-        <p:nvSpPr>
-          <p:cNvPr id="9" name="Content Placeholder 8"/>
-          <p:cNvSpPr>
-            <a:spLocks noGrp="1"/>
-          </p:cNvSpPr>
-          <p:nvPr>
-            <p:ph idx="1"/>
-          </p:nvPr>
-        </p:nvSpPr>
-        <p:spPr>
-          <a:xfrm>
-            <a:off x="1446530" y="3075623"/>
-            <a:ext cx="9298940" cy="706755"/>
-          </a:xfrm>
-        </p:spPr>
-        <p:txBody>
-          <a:bodyPr>
-            <a:noAutofit/>
-          </a:bodyPr>
-          <a:p>
-            <a:pPr marL="0" indent="0">
-              <a:buNone/>
-            </a:pPr>
-            <a:r>
-              <a:rPr lang="" altLang="en-US" sz="4000" i="1">
-                <a:latin typeface="Ubuntu" panose="020B0604030602030204" charset="0"/>
-                <a:ea typeface="Ubuntu" panose="020B0604030602030204" charset="0"/>
-              </a:rPr>
-              <a:t>Custo = Ranking + Acesso + Distância</a:t>
-            </a:r>
-            <a:endParaRPr lang="" altLang="en-US" sz="4000" i="1">
-              <a:latin typeface="Ubuntu" panose="020B0604030602030204" charset="0"/>
-              <a:ea typeface="Ubuntu" panose="020B0604030602030204" charset="0"/>
-            </a:endParaRPr>
-          </a:p>
-        </p:txBody>
-      </p:sp>
-    </p:spTree>
-  </p:cSld>
-  <p:clrMapOvr>
-    <a:masterClrMapping/>
-  </p:clrMapOvr>
-</p:sld>
-</file>
-
 <file path=ppt/slides/slide2.xml><?xml version="1.0" encoding="utf-8"?>
-<p:sld xmlns:a="http://schemas.openxmlformats.org/drawingml/2006/main" xmlns:r="http://schemas.openxmlformats.org/officeDocument/2006/relationships" xmlns:p="http://schemas.openxmlformats.org/presentationml/2006/main">
-  <p:cSld>
-    <p:bg>
-      <p:bgPr>
-        <a:solidFill>
-          <a:srgbClr val="58D1A8"/>
-        </a:solidFill>
-        <a:effectLst/>
-      </p:bgPr>
-    </p:bg>
-    <p:spTree>
-      <p:nvGrpSpPr>
-        <p:cNvPr id="1" name=""/>
-        <p:cNvGrpSpPr/>
-        <p:nvPr/>
-      </p:nvGrpSpPr>
-      <p:grpSpPr/>
-      <p:sp>
-        <p:nvSpPr>
-          <p:cNvPr id="3" name="Content Placeholder 2"/>
-          <p:cNvSpPr>
-            <a:spLocks noGrp="1"/>
-          </p:cNvSpPr>
-          <p:nvPr>
-            <p:ph idx="1"/>
-          </p:nvPr>
-        </p:nvSpPr>
-        <p:spPr>
-          <a:xfrm>
-            <a:off x="2057083" y="1212533"/>
-            <a:ext cx="8077835" cy="4432935"/>
-          </a:xfrm>
-          <a:ln>
-            <a:noFill/>
-          </a:ln>
-        </p:spPr>
-        <p:txBody>
-          <a:bodyPr>
-            <a:noAutofit/>
-            <a:scene3d>
-              <a:camera prst="orthographicFront"/>
-              <a:lightRig rig="threePt" dir="t"/>
-            </a:scene3d>
-          </a:bodyPr>
-          <a:p>
-            <a:pPr marL="0" indent="0" algn="ctr">
-              <a:buNone/>
-            </a:pPr>
-            <a:r>
-              <a:rPr lang="en-US" altLang="en-US" sz="9600" b="1">
-                <a:ln>
-                  <a:noFill/>
-                </a:ln>
-                <a:solidFill>
-                  <a:schemeClr val="bg1"/>
-                </a:solidFill>
-                <a:effectLst>
-                  <a:outerShdw dist="114300" dir="18900000" algn="bl" rotWithShape="0">
-                    <a:srgbClr val="221E20">
-                      <a:alpha val="100000"/>
-                    </a:srgbClr>
-                  </a:outerShdw>
-                </a:effectLst>
-                <a:latin typeface="Ubuntu" panose="020B0604030602030204" charset="0"/>
-                <a:ea typeface="Ubuntu" panose="020B0604030602030204" charset="0"/>
-              </a:rPr>
-              <a:t>&gt; 6400 EVENTOS</a:t>
-            </a:r>
-            <a:endParaRPr lang="en-US" altLang="en-US" sz="9600" b="1">
-              <a:ln>
-                <a:noFill/>
-              </a:ln>
-              <a:solidFill>
-                <a:schemeClr val="bg1"/>
-              </a:solidFill>
-              <a:effectLst>
-                <a:outerShdw dist="114300" dir="18900000" algn="bl" rotWithShape="0">
-                  <a:srgbClr val="221E20">
-                    <a:alpha val="100000"/>
-                  </a:srgbClr>
-                </a:outerShdw>
-              </a:effectLst>
-              <a:latin typeface="Ubuntu" panose="020B0604030602030204" charset="0"/>
-              <a:ea typeface="Ubuntu" panose="020B0604030602030204" charset="0"/>
-            </a:endParaRPr>
-          </a:p>
-          <a:p>
-            <a:pPr marL="0" indent="0" algn="ctr">
-              <a:buNone/>
-            </a:pPr>
-            <a:r>
-              <a:rPr lang="en-US" altLang="en-US" sz="9600" b="1">
-                <a:ln>
-                  <a:noFill/>
-                </a:ln>
-                <a:solidFill>
-                  <a:schemeClr val="bg1"/>
-                </a:solidFill>
-                <a:effectLst>
-                  <a:outerShdw dist="114300" dir="18900000" algn="bl" rotWithShape="0">
-                    <a:srgbClr val="221E20">
-                      <a:alpha val="100000"/>
-                    </a:srgbClr>
-                  </a:outerShdw>
-                </a:effectLst>
-                <a:latin typeface="Ubuntu" panose="020B0604030602030204" charset="0"/>
-                <a:ea typeface="Ubuntu" panose="020B0604030602030204" charset="0"/>
-              </a:rPr>
-              <a:t>EM 10 DIAS</a:t>
-            </a:r>
-            <a:endParaRPr lang="en-US" altLang="en-US" sz="9600" b="1">
-              <a:ln>
-                <a:noFill/>
-              </a:ln>
-              <a:solidFill>
-                <a:schemeClr val="bg1"/>
-              </a:solidFill>
-              <a:effectLst>
-                <a:outerShdw dist="114300" dir="18900000" algn="bl" rotWithShape="0">
-                  <a:srgbClr val="221E20">
-                    <a:alpha val="100000"/>
-                  </a:srgbClr>
-                </a:outerShdw>
-              </a:effectLst>
-              <a:latin typeface="Ubuntu" panose="020B0604030602030204" charset="0"/>
-              <a:ea typeface="Ubuntu" panose="020B0604030602030204" charset="0"/>
-            </a:endParaRPr>
-          </a:p>
-        </p:txBody>
-      </p:sp>
-    </p:spTree>
-  </p:cSld>
-  <p:clrMapOvr>
-    <a:masterClrMapping/>
-  </p:clrMapOvr>
-</p:sld>
-</file>
-
-<file path=ppt/slides/slide3.xml><?xml version="1.0" encoding="utf-8"?>
 <p:sld xmlns:a="http://schemas.openxmlformats.org/drawingml/2006/main" xmlns:r="http://schemas.openxmlformats.org/officeDocument/2006/relationships" xmlns:p="http://schemas.openxmlformats.org/presentationml/2006/main">
   <p:cSld>
     <p:spTree>
@@ -2945,6 +2701,1046 @@
           </a:prstGeom>
         </p:spPr>
       </p:pic>
+      <p:sp>
+        <p:nvSpPr>
+          <p:cNvPr id="3" name="Content Placeholder 2"/>
+          <p:cNvSpPr>
+            <a:spLocks noGrp="1"/>
+          </p:cNvSpPr>
+          <p:nvPr>
+            <p:ph idx="1"/>
+          </p:nvPr>
+        </p:nvSpPr>
+        <p:spPr>
+          <a:xfrm>
+            <a:off x="0" y="-13335"/>
+            <a:ext cx="4554220" cy="2209165"/>
+          </a:xfrm>
+          <a:ln>
+            <a:noFill/>
+          </a:ln>
+        </p:spPr>
+        <p:txBody>
+          <a:bodyPr>
+            <a:noAutofit/>
+            <a:scene3d>
+              <a:camera prst="orthographicFront"/>
+              <a:lightRig rig="threePt" dir="t"/>
+            </a:scene3d>
+          </a:bodyPr>
+          <a:p>
+            <a:pPr marL="0" indent="0" algn="ctr">
+              <a:buNone/>
+            </a:pPr>
+            <a:r>
+              <a:rPr lang="" altLang="en-US" sz="6600" b="1">
+                <a:ln>
+                  <a:noFill/>
+                </a:ln>
+                <a:solidFill>
+                  <a:schemeClr val="bg1"/>
+                </a:solidFill>
+                <a:effectLst>
+                  <a:outerShdw dist="114300" dir="18900000" algn="bl" rotWithShape="0">
+                    <a:srgbClr val="221E20">
+                      <a:alpha val="100000"/>
+                    </a:srgbClr>
+                  </a:outerShdw>
+                </a:effectLst>
+                <a:latin typeface="Ubuntu" panose="020B0604030602030204" charset="0"/>
+                <a:ea typeface="Ubuntu" panose="020B0604030602030204" charset="0"/>
+              </a:rPr>
+              <a:t>+</a:t>
+            </a:r>
+            <a:r>
+              <a:rPr lang="en-US" altLang="en-US" sz="6600" b="1">
+                <a:ln>
+                  <a:noFill/>
+                </a:ln>
+                <a:solidFill>
+                  <a:schemeClr val="bg1"/>
+                </a:solidFill>
+                <a:effectLst>
+                  <a:outerShdw dist="114300" dir="18900000" algn="bl" rotWithShape="0">
+                    <a:srgbClr val="221E20">
+                      <a:alpha val="100000"/>
+                    </a:srgbClr>
+                  </a:outerShdw>
+                </a:effectLst>
+                <a:latin typeface="Ubuntu" panose="020B0604030602030204" charset="0"/>
+                <a:ea typeface="Ubuntu" panose="020B0604030602030204" charset="0"/>
+              </a:rPr>
+              <a:t> 6400 </a:t>
+            </a:r>
+            <a:endParaRPr lang="en-US" altLang="en-US" sz="6600" b="1">
+              <a:ln>
+                <a:noFill/>
+              </a:ln>
+              <a:solidFill>
+                <a:schemeClr val="bg1"/>
+              </a:solidFill>
+              <a:effectLst>
+                <a:outerShdw dist="114300" dir="18900000" algn="bl" rotWithShape="0">
+                  <a:srgbClr val="221E20">
+                    <a:alpha val="100000"/>
+                  </a:srgbClr>
+                </a:outerShdw>
+              </a:effectLst>
+              <a:latin typeface="Ubuntu" panose="020B0604030602030204" charset="0"/>
+              <a:ea typeface="Ubuntu" panose="020B0604030602030204" charset="0"/>
+            </a:endParaRPr>
+          </a:p>
+          <a:p>
+            <a:pPr marL="0" indent="0" algn="ctr">
+              <a:buNone/>
+            </a:pPr>
+            <a:r>
+              <a:rPr lang="en-US" altLang="en-US" sz="6600" b="1">
+                <a:ln>
+                  <a:noFill/>
+                </a:ln>
+                <a:solidFill>
+                  <a:schemeClr val="bg1"/>
+                </a:solidFill>
+                <a:effectLst>
+                  <a:outerShdw dist="114300" dir="18900000" algn="bl" rotWithShape="0">
+                    <a:srgbClr val="221E20">
+                      <a:alpha val="100000"/>
+                    </a:srgbClr>
+                  </a:outerShdw>
+                </a:effectLst>
+                <a:latin typeface="Ubuntu" panose="020B0604030602030204" charset="0"/>
+                <a:ea typeface="Ubuntu" panose="020B0604030602030204" charset="0"/>
+              </a:rPr>
+              <a:t>EVENTOS</a:t>
+            </a:r>
+            <a:endParaRPr lang="en-US" altLang="en-US" sz="6600" b="1">
+              <a:ln>
+                <a:noFill/>
+              </a:ln>
+              <a:solidFill>
+                <a:schemeClr val="bg1"/>
+              </a:solidFill>
+              <a:effectLst>
+                <a:outerShdw dist="114300" dir="18900000" algn="bl" rotWithShape="0">
+                  <a:srgbClr val="221E20">
+                    <a:alpha val="100000"/>
+                  </a:srgbClr>
+                </a:outerShdw>
+              </a:effectLst>
+              <a:latin typeface="Ubuntu" panose="020B0604030602030204" charset="0"/>
+              <a:ea typeface="Ubuntu" panose="020B0604030602030204" charset="0"/>
+            </a:endParaRPr>
+          </a:p>
+        </p:txBody>
+      </p:sp>
+      <p:sp>
+        <p:nvSpPr>
+          <p:cNvPr id="2" name="Content Placeholder 2"/>
+          <p:cNvSpPr>
+            <a:spLocks noGrp="1"/>
+          </p:cNvSpPr>
+          <p:nvPr/>
+        </p:nvSpPr>
+        <p:spPr>
+          <a:xfrm>
+            <a:off x="8261350" y="-13335"/>
+            <a:ext cx="3930650" cy="4215765"/>
+          </a:xfrm>
+          <a:prstGeom prst="rect">
+            <a:avLst/>
+          </a:prstGeom>
+          <a:ln>
+            <a:noFill/>
+          </a:ln>
+        </p:spPr>
+        <p:txBody>
+          <a:bodyPr vert="horz" lIns="91440" tIns="45720" rIns="91440" bIns="45720" rtlCol="0">
+            <a:noAutofit/>
+            <a:scene3d>
+              <a:camera prst="orthographicFront"/>
+              <a:lightRig rig="threePt" dir="t"/>
+            </a:scene3d>
+          </a:bodyPr>
+          <a:lstStyle>
+            <a:lvl1pPr marL="228600" indent="-228600" algn="l" defTabSz="914400" rtl="0" eaLnBrk="1" latinLnBrk="0" hangingPunct="1">
+              <a:lnSpc>
+                <a:spcPct val="90000"/>
+              </a:lnSpc>
+              <a:spcBef>
+                <a:spcPts val="1000"/>
+              </a:spcBef>
+              <a:buFont typeface="Arial" panose="020B0604020202020204" pitchFamily="34" charset="0"/>
+              <a:buChar char="•"/>
+              <a:defRPr sz="2800" kern="1200">
+                <a:solidFill>
+                  <a:schemeClr val="tx1"/>
+                </a:solidFill>
+                <a:latin typeface="+mn-lt"/>
+                <a:ea typeface="+mn-ea"/>
+                <a:cs typeface="+mn-cs"/>
+              </a:defRPr>
+            </a:lvl1pPr>
+            <a:lvl2pPr marL="685800" indent="-228600" algn="l" defTabSz="914400" rtl="0" eaLnBrk="1" latinLnBrk="0" hangingPunct="1">
+              <a:lnSpc>
+                <a:spcPct val="90000"/>
+              </a:lnSpc>
+              <a:spcBef>
+                <a:spcPts val="500"/>
+              </a:spcBef>
+              <a:buFont typeface="Arial" panose="020B0604020202020204" pitchFamily="34" charset="0"/>
+              <a:buChar char="•"/>
+              <a:defRPr sz="2400" kern="1200">
+                <a:solidFill>
+                  <a:schemeClr val="tx1"/>
+                </a:solidFill>
+                <a:latin typeface="+mn-lt"/>
+                <a:ea typeface="+mn-ea"/>
+                <a:cs typeface="+mn-cs"/>
+              </a:defRPr>
+            </a:lvl2pPr>
+            <a:lvl3pPr marL="1143000" indent="-228600" algn="l" defTabSz="914400" rtl="0" eaLnBrk="1" latinLnBrk="0" hangingPunct="1">
+              <a:lnSpc>
+                <a:spcPct val="90000"/>
+              </a:lnSpc>
+              <a:spcBef>
+                <a:spcPts val="500"/>
+              </a:spcBef>
+              <a:buFont typeface="Arial" panose="020B0604020202020204" pitchFamily="34" charset="0"/>
+              <a:buChar char="•"/>
+              <a:defRPr sz="2000" kern="1200">
+                <a:solidFill>
+                  <a:schemeClr val="tx1"/>
+                </a:solidFill>
+                <a:latin typeface="+mn-lt"/>
+                <a:ea typeface="+mn-ea"/>
+                <a:cs typeface="+mn-cs"/>
+              </a:defRPr>
+            </a:lvl3pPr>
+            <a:lvl4pPr marL="1600200" indent="-228600" algn="l" defTabSz="914400" rtl="0" eaLnBrk="1" latinLnBrk="0" hangingPunct="1">
+              <a:lnSpc>
+                <a:spcPct val="90000"/>
+              </a:lnSpc>
+              <a:spcBef>
+                <a:spcPts val="500"/>
+              </a:spcBef>
+              <a:buFont typeface="Arial" panose="020B0604020202020204" pitchFamily="34" charset="0"/>
+              <a:buChar char="•"/>
+              <a:defRPr sz="1800" kern="1200">
+                <a:solidFill>
+                  <a:schemeClr val="tx1"/>
+                </a:solidFill>
+                <a:latin typeface="+mn-lt"/>
+                <a:ea typeface="+mn-ea"/>
+                <a:cs typeface="+mn-cs"/>
+              </a:defRPr>
+            </a:lvl4pPr>
+            <a:lvl5pPr marL="2057400" indent="-228600" algn="l" defTabSz="914400" rtl="0" eaLnBrk="1" latinLnBrk="0" hangingPunct="1">
+              <a:lnSpc>
+                <a:spcPct val="90000"/>
+              </a:lnSpc>
+              <a:spcBef>
+                <a:spcPts val="500"/>
+              </a:spcBef>
+              <a:buFont typeface="Arial" panose="020B0604020202020204" pitchFamily="34" charset="0"/>
+              <a:buChar char="•"/>
+              <a:defRPr sz="1800" kern="1200">
+                <a:solidFill>
+                  <a:schemeClr val="tx1"/>
+                </a:solidFill>
+                <a:latin typeface="+mn-lt"/>
+                <a:ea typeface="+mn-ea"/>
+                <a:cs typeface="+mn-cs"/>
+              </a:defRPr>
+            </a:lvl5pPr>
+            <a:lvl6pPr marL="2514600" indent="-228600" algn="l" defTabSz="914400" rtl="0" eaLnBrk="1" latinLnBrk="0" hangingPunct="1">
+              <a:lnSpc>
+                <a:spcPct val="90000"/>
+              </a:lnSpc>
+              <a:spcBef>
+                <a:spcPts val="500"/>
+              </a:spcBef>
+              <a:buFont typeface="Arial" panose="020B0604020202020204" pitchFamily="34" charset="0"/>
+              <a:buChar char="•"/>
+              <a:defRPr sz="1800" kern="1200">
+                <a:solidFill>
+                  <a:schemeClr val="tx1"/>
+                </a:solidFill>
+                <a:latin typeface="+mn-lt"/>
+                <a:ea typeface="+mn-ea"/>
+                <a:cs typeface="+mn-cs"/>
+              </a:defRPr>
+            </a:lvl6pPr>
+            <a:lvl7pPr marL="2971800" indent="-228600" algn="l" defTabSz="914400" rtl="0" eaLnBrk="1" latinLnBrk="0" hangingPunct="1">
+              <a:lnSpc>
+                <a:spcPct val="90000"/>
+              </a:lnSpc>
+              <a:spcBef>
+                <a:spcPts val="500"/>
+              </a:spcBef>
+              <a:buFont typeface="Arial" panose="020B0604020202020204" pitchFamily="34" charset="0"/>
+              <a:buChar char="•"/>
+              <a:defRPr sz="1800" kern="1200">
+                <a:solidFill>
+                  <a:schemeClr val="tx1"/>
+                </a:solidFill>
+                <a:latin typeface="+mn-lt"/>
+                <a:ea typeface="+mn-ea"/>
+                <a:cs typeface="+mn-cs"/>
+              </a:defRPr>
+            </a:lvl7pPr>
+            <a:lvl8pPr marL="3429000" indent="-228600" algn="l" defTabSz="914400" rtl="0" eaLnBrk="1" latinLnBrk="0" hangingPunct="1">
+              <a:lnSpc>
+                <a:spcPct val="90000"/>
+              </a:lnSpc>
+              <a:spcBef>
+                <a:spcPts val="500"/>
+              </a:spcBef>
+              <a:buFont typeface="Arial" panose="020B0604020202020204" pitchFamily="34" charset="0"/>
+              <a:buChar char="•"/>
+              <a:defRPr sz="1800" kern="1200">
+                <a:solidFill>
+                  <a:schemeClr val="tx1"/>
+                </a:solidFill>
+                <a:latin typeface="+mn-lt"/>
+                <a:ea typeface="+mn-ea"/>
+                <a:cs typeface="+mn-cs"/>
+              </a:defRPr>
+            </a:lvl8pPr>
+            <a:lvl9pPr marL="3886200" indent="-228600" algn="l" defTabSz="914400" rtl="0" eaLnBrk="1" latinLnBrk="0" hangingPunct="1">
+              <a:lnSpc>
+                <a:spcPct val="90000"/>
+              </a:lnSpc>
+              <a:spcBef>
+                <a:spcPts val="500"/>
+              </a:spcBef>
+              <a:buFont typeface="Arial" panose="020B0604020202020204" pitchFamily="34" charset="0"/>
+              <a:buChar char="•"/>
+              <a:defRPr sz="1800" kern="1200">
+                <a:solidFill>
+                  <a:schemeClr val="tx1"/>
+                </a:solidFill>
+                <a:latin typeface="+mn-lt"/>
+                <a:ea typeface="+mn-ea"/>
+                <a:cs typeface="+mn-cs"/>
+              </a:defRPr>
+            </a:lvl9pPr>
+          </a:lstStyle>
+          <a:p>
+            <a:pPr marL="0" indent="0" algn="ctr">
+              <a:buNone/>
+            </a:pPr>
+            <a:r>
+              <a:rPr lang="" altLang="en-US" sz="6600" b="1">
+                <a:ln>
+                  <a:noFill/>
+                </a:ln>
+                <a:solidFill>
+                  <a:schemeClr val="bg1"/>
+                </a:solidFill>
+                <a:effectLst>
+                  <a:outerShdw dist="114300" dir="18900000" algn="bl" rotWithShape="0">
+                    <a:srgbClr val="221E20">
+                      <a:alpha val="100000"/>
+                    </a:srgbClr>
+                  </a:outerShdw>
+                </a:effectLst>
+                <a:latin typeface="Ubuntu" panose="020B0604030602030204" charset="0"/>
+                <a:ea typeface="Ubuntu" panose="020B0604030602030204" charset="0"/>
+              </a:rPr>
+              <a:t>EM </a:t>
+            </a:r>
+            <a:endParaRPr lang="" altLang="en-US" sz="6600" b="1">
+              <a:ln>
+                <a:noFill/>
+              </a:ln>
+              <a:solidFill>
+                <a:schemeClr val="bg1"/>
+              </a:solidFill>
+              <a:effectLst>
+                <a:outerShdw dist="114300" dir="18900000" algn="bl" rotWithShape="0">
+                  <a:srgbClr val="221E20">
+                    <a:alpha val="100000"/>
+                  </a:srgbClr>
+                </a:outerShdw>
+              </a:effectLst>
+              <a:latin typeface="Ubuntu" panose="020B0604030602030204" charset="0"/>
+              <a:ea typeface="Ubuntu" panose="020B0604030602030204" charset="0"/>
+            </a:endParaRPr>
+          </a:p>
+          <a:p>
+            <a:pPr marL="0" indent="0" algn="ctr">
+              <a:buNone/>
+            </a:pPr>
+            <a:r>
+              <a:rPr lang="" altLang="en-US" sz="6600" b="1">
+                <a:ln>
+                  <a:noFill/>
+                </a:ln>
+                <a:solidFill>
+                  <a:schemeClr val="bg1"/>
+                </a:solidFill>
+                <a:effectLst>
+                  <a:outerShdw dist="114300" dir="18900000" algn="bl" rotWithShape="0">
+                    <a:srgbClr val="221E20">
+                      <a:alpha val="100000"/>
+                    </a:srgbClr>
+                  </a:outerShdw>
+                </a:effectLst>
+                <a:latin typeface="Ubuntu" panose="020B0604030602030204" charset="0"/>
+                <a:ea typeface="Ubuntu" panose="020B0604030602030204" charset="0"/>
+              </a:rPr>
+              <a:t>10 DIAS</a:t>
+            </a:r>
+            <a:endParaRPr lang="" altLang="en-US" sz="6600" b="1">
+              <a:ln>
+                <a:noFill/>
+              </a:ln>
+              <a:solidFill>
+                <a:schemeClr val="bg1"/>
+              </a:solidFill>
+              <a:effectLst>
+                <a:outerShdw dist="114300" dir="18900000" algn="bl" rotWithShape="0">
+                  <a:srgbClr val="221E20">
+                    <a:alpha val="100000"/>
+                  </a:srgbClr>
+                </a:outerShdw>
+              </a:effectLst>
+              <a:latin typeface="Ubuntu" panose="020B0604030602030204" charset="0"/>
+              <a:ea typeface="Ubuntu" panose="020B0604030602030204" charset="0"/>
+            </a:endParaRPr>
+          </a:p>
+        </p:txBody>
+      </p:sp>
+      <p:sp>
+        <p:nvSpPr>
+          <p:cNvPr id="6" name="Content Placeholder 2"/>
+          <p:cNvSpPr>
+            <a:spLocks noGrp="1"/>
+          </p:cNvSpPr>
+          <p:nvPr/>
+        </p:nvSpPr>
+        <p:spPr>
+          <a:xfrm>
+            <a:off x="0" y="4662805"/>
+            <a:ext cx="4554220" cy="2209165"/>
+          </a:xfrm>
+          <a:prstGeom prst="rect">
+            <a:avLst/>
+          </a:prstGeom>
+          <a:ln>
+            <a:noFill/>
+          </a:ln>
+        </p:spPr>
+        <p:txBody>
+          <a:bodyPr vert="horz" lIns="91440" tIns="45720" rIns="91440" bIns="45720" rtlCol="0">
+            <a:noAutofit/>
+            <a:scene3d>
+              <a:camera prst="orthographicFront"/>
+              <a:lightRig rig="threePt" dir="t"/>
+            </a:scene3d>
+          </a:bodyPr>
+          <a:lstStyle>
+            <a:lvl1pPr marL="228600" indent="-228600" algn="l" defTabSz="914400" rtl="0" eaLnBrk="1" latinLnBrk="0" hangingPunct="1">
+              <a:lnSpc>
+                <a:spcPct val="90000"/>
+              </a:lnSpc>
+              <a:spcBef>
+                <a:spcPts val="1000"/>
+              </a:spcBef>
+              <a:buFont typeface="Arial" panose="020B0604020202020204" pitchFamily="34" charset="0"/>
+              <a:buChar char="•"/>
+              <a:defRPr sz="2800" kern="1200">
+                <a:solidFill>
+                  <a:schemeClr val="tx1"/>
+                </a:solidFill>
+                <a:latin typeface="+mn-lt"/>
+                <a:ea typeface="+mn-ea"/>
+                <a:cs typeface="+mn-cs"/>
+              </a:defRPr>
+            </a:lvl1pPr>
+            <a:lvl2pPr marL="685800" indent="-228600" algn="l" defTabSz="914400" rtl="0" eaLnBrk="1" latinLnBrk="0" hangingPunct="1">
+              <a:lnSpc>
+                <a:spcPct val="90000"/>
+              </a:lnSpc>
+              <a:spcBef>
+                <a:spcPts val="500"/>
+              </a:spcBef>
+              <a:buFont typeface="Arial" panose="020B0604020202020204" pitchFamily="34" charset="0"/>
+              <a:buChar char="•"/>
+              <a:defRPr sz="2400" kern="1200">
+                <a:solidFill>
+                  <a:schemeClr val="tx1"/>
+                </a:solidFill>
+                <a:latin typeface="+mn-lt"/>
+                <a:ea typeface="+mn-ea"/>
+                <a:cs typeface="+mn-cs"/>
+              </a:defRPr>
+            </a:lvl2pPr>
+            <a:lvl3pPr marL="1143000" indent="-228600" algn="l" defTabSz="914400" rtl="0" eaLnBrk="1" latinLnBrk="0" hangingPunct="1">
+              <a:lnSpc>
+                <a:spcPct val="90000"/>
+              </a:lnSpc>
+              <a:spcBef>
+                <a:spcPts val="500"/>
+              </a:spcBef>
+              <a:buFont typeface="Arial" panose="020B0604020202020204" pitchFamily="34" charset="0"/>
+              <a:buChar char="•"/>
+              <a:defRPr sz="2000" kern="1200">
+                <a:solidFill>
+                  <a:schemeClr val="tx1"/>
+                </a:solidFill>
+                <a:latin typeface="+mn-lt"/>
+                <a:ea typeface="+mn-ea"/>
+                <a:cs typeface="+mn-cs"/>
+              </a:defRPr>
+            </a:lvl3pPr>
+            <a:lvl4pPr marL="1600200" indent="-228600" algn="l" defTabSz="914400" rtl="0" eaLnBrk="1" latinLnBrk="0" hangingPunct="1">
+              <a:lnSpc>
+                <a:spcPct val="90000"/>
+              </a:lnSpc>
+              <a:spcBef>
+                <a:spcPts val="500"/>
+              </a:spcBef>
+              <a:buFont typeface="Arial" panose="020B0604020202020204" pitchFamily="34" charset="0"/>
+              <a:buChar char="•"/>
+              <a:defRPr sz="1800" kern="1200">
+                <a:solidFill>
+                  <a:schemeClr val="tx1"/>
+                </a:solidFill>
+                <a:latin typeface="+mn-lt"/>
+                <a:ea typeface="+mn-ea"/>
+                <a:cs typeface="+mn-cs"/>
+              </a:defRPr>
+            </a:lvl4pPr>
+            <a:lvl5pPr marL="2057400" indent="-228600" algn="l" defTabSz="914400" rtl="0" eaLnBrk="1" latinLnBrk="0" hangingPunct="1">
+              <a:lnSpc>
+                <a:spcPct val="90000"/>
+              </a:lnSpc>
+              <a:spcBef>
+                <a:spcPts val="500"/>
+              </a:spcBef>
+              <a:buFont typeface="Arial" panose="020B0604020202020204" pitchFamily="34" charset="0"/>
+              <a:buChar char="•"/>
+              <a:defRPr sz="1800" kern="1200">
+                <a:solidFill>
+                  <a:schemeClr val="tx1"/>
+                </a:solidFill>
+                <a:latin typeface="+mn-lt"/>
+                <a:ea typeface="+mn-ea"/>
+                <a:cs typeface="+mn-cs"/>
+              </a:defRPr>
+            </a:lvl5pPr>
+            <a:lvl6pPr marL="2514600" indent="-228600" algn="l" defTabSz="914400" rtl="0" eaLnBrk="1" latinLnBrk="0" hangingPunct="1">
+              <a:lnSpc>
+                <a:spcPct val="90000"/>
+              </a:lnSpc>
+              <a:spcBef>
+                <a:spcPts val="500"/>
+              </a:spcBef>
+              <a:buFont typeface="Arial" panose="020B0604020202020204" pitchFamily="34" charset="0"/>
+              <a:buChar char="•"/>
+              <a:defRPr sz="1800" kern="1200">
+                <a:solidFill>
+                  <a:schemeClr val="tx1"/>
+                </a:solidFill>
+                <a:latin typeface="+mn-lt"/>
+                <a:ea typeface="+mn-ea"/>
+                <a:cs typeface="+mn-cs"/>
+              </a:defRPr>
+            </a:lvl6pPr>
+            <a:lvl7pPr marL="2971800" indent="-228600" algn="l" defTabSz="914400" rtl="0" eaLnBrk="1" latinLnBrk="0" hangingPunct="1">
+              <a:lnSpc>
+                <a:spcPct val="90000"/>
+              </a:lnSpc>
+              <a:spcBef>
+                <a:spcPts val="500"/>
+              </a:spcBef>
+              <a:buFont typeface="Arial" panose="020B0604020202020204" pitchFamily="34" charset="0"/>
+              <a:buChar char="•"/>
+              <a:defRPr sz="1800" kern="1200">
+                <a:solidFill>
+                  <a:schemeClr val="tx1"/>
+                </a:solidFill>
+                <a:latin typeface="+mn-lt"/>
+                <a:ea typeface="+mn-ea"/>
+                <a:cs typeface="+mn-cs"/>
+              </a:defRPr>
+            </a:lvl7pPr>
+            <a:lvl8pPr marL="3429000" indent="-228600" algn="l" defTabSz="914400" rtl="0" eaLnBrk="1" latinLnBrk="0" hangingPunct="1">
+              <a:lnSpc>
+                <a:spcPct val="90000"/>
+              </a:lnSpc>
+              <a:spcBef>
+                <a:spcPts val="500"/>
+              </a:spcBef>
+              <a:buFont typeface="Arial" panose="020B0604020202020204" pitchFamily="34" charset="0"/>
+              <a:buChar char="•"/>
+              <a:defRPr sz="1800" kern="1200">
+                <a:solidFill>
+                  <a:schemeClr val="tx1"/>
+                </a:solidFill>
+                <a:latin typeface="+mn-lt"/>
+                <a:ea typeface="+mn-ea"/>
+                <a:cs typeface="+mn-cs"/>
+              </a:defRPr>
+            </a:lvl8pPr>
+            <a:lvl9pPr marL="3886200" indent="-228600" algn="l" defTabSz="914400" rtl="0" eaLnBrk="1" latinLnBrk="0" hangingPunct="1">
+              <a:lnSpc>
+                <a:spcPct val="90000"/>
+              </a:lnSpc>
+              <a:spcBef>
+                <a:spcPts val="500"/>
+              </a:spcBef>
+              <a:buFont typeface="Arial" panose="020B0604020202020204" pitchFamily="34" charset="0"/>
+              <a:buChar char="•"/>
+              <a:defRPr sz="1800" kern="1200">
+                <a:solidFill>
+                  <a:schemeClr val="tx1"/>
+                </a:solidFill>
+                <a:latin typeface="+mn-lt"/>
+                <a:ea typeface="+mn-ea"/>
+                <a:cs typeface="+mn-cs"/>
+              </a:defRPr>
+            </a:lvl9pPr>
+          </a:lstStyle>
+          <a:p>
+            <a:pPr marL="0" indent="0" algn="ctr">
+              <a:buNone/>
+            </a:pPr>
+            <a:r>
+              <a:rPr lang="" altLang="en-US" sz="6600" b="1">
+                <a:ln>
+                  <a:noFill/>
+                </a:ln>
+                <a:solidFill>
+                  <a:schemeClr val="bg1"/>
+                </a:solidFill>
+                <a:effectLst>
+                  <a:outerShdw dist="114300" dir="18900000" algn="bl" rotWithShape="0">
+                    <a:srgbClr val="221E20">
+                      <a:alpha val="100000"/>
+                    </a:srgbClr>
+                  </a:outerShdw>
+                </a:effectLst>
+                <a:latin typeface="Ubuntu" panose="020B0604030602030204" charset="0"/>
+                <a:ea typeface="Ubuntu" panose="020B0604030602030204" charset="0"/>
+              </a:rPr>
+              <a:t>COMO ESCOLHER</a:t>
+            </a:r>
+            <a:endParaRPr lang="" altLang="en-US" sz="6600" b="1">
+              <a:ln>
+                <a:noFill/>
+              </a:ln>
+              <a:solidFill>
+                <a:schemeClr val="bg1"/>
+              </a:solidFill>
+              <a:effectLst>
+                <a:outerShdw dist="114300" dir="18900000" algn="bl" rotWithShape="0">
+                  <a:srgbClr val="221E20">
+                    <a:alpha val="100000"/>
+                  </a:srgbClr>
+                </a:outerShdw>
+              </a:effectLst>
+              <a:latin typeface="Ubuntu" panose="020B0604030602030204" charset="0"/>
+              <a:ea typeface="Ubuntu" panose="020B0604030602030204" charset="0"/>
+            </a:endParaRPr>
+          </a:p>
+        </p:txBody>
+      </p:sp>
+      <p:sp>
+        <p:nvSpPr>
+          <p:cNvPr id="7" name="Content Placeholder 2"/>
+          <p:cNvSpPr>
+            <a:spLocks noGrp="1"/>
+          </p:cNvSpPr>
+          <p:nvPr/>
+        </p:nvSpPr>
+        <p:spPr>
+          <a:xfrm>
+            <a:off x="7637780" y="4662805"/>
+            <a:ext cx="4554220" cy="2209165"/>
+          </a:xfrm>
+          <a:prstGeom prst="rect">
+            <a:avLst/>
+          </a:prstGeom>
+          <a:ln>
+            <a:noFill/>
+          </a:ln>
+        </p:spPr>
+        <p:txBody>
+          <a:bodyPr vert="horz" lIns="91440" tIns="45720" rIns="91440" bIns="45720" rtlCol="0">
+            <a:noAutofit/>
+            <a:scene3d>
+              <a:camera prst="orthographicFront"/>
+              <a:lightRig rig="threePt" dir="t"/>
+            </a:scene3d>
+          </a:bodyPr>
+          <a:lstStyle>
+            <a:lvl1pPr marL="228600" indent="-228600" algn="l" defTabSz="914400" rtl="0" eaLnBrk="1" latinLnBrk="0" hangingPunct="1">
+              <a:lnSpc>
+                <a:spcPct val="90000"/>
+              </a:lnSpc>
+              <a:spcBef>
+                <a:spcPts val="1000"/>
+              </a:spcBef>
+              <a:buFont typeface="Arial" panose="020B0604020202020204" pitchFamily="34" charset="0"/>
+              <a:buChar char="•"/>
+              <a:defRPr sz="2800" kern="1200">
+                <a:solidFill>
+                  <a:schemeClr val="tx1"/>
+                </a:solidFill>
+                <a:latin typeface="+mn-lt"/>
+                <a:ea typeface="+mn-ea"/>
+                <a:cs typeface="+mn-cs"/>
+              </a:defRPr>
+            </a:lvl1pPr>
+            <a:lvl2pPr marL="685800" indent="-228600" algn="l" defTabSz="914400" rtl="0" eaLnBrk="1" latinLnBrk="0" hangingPunct="1">
+              <a:lnSpc>
+                <a:spcPct val="90000"/>
+              </a:lnSpc>
+              <a:spcBef>
+                <a:spcPts val="500"/>
+              </a:spcBef>
+              <a:buFont typeface="Arial" panose="020B0604020202020204" pitchFamily="34" charset="0"/>
+              <a:buChar char="•"/>
+              <a:defRPr sz="2400" kern="1200">
+                <a:solidFill>
+                  <a:schemeClr val="tx1"/>
+                </a:solidFill>
+                <a:latin typeface="+mn-lt"/>
+                <a:ea typeface="+mn-ea"/>
+                <a:cs typeface="+mn-cs"/>
+              </a:defRPr>
+            </a:lvl2pPr>
+            <a:lvl3pPr marL="1143000" indent="-228600" algn="l" defTabSz="914400" rtl="0" eaLnBrk="1" latinLnBrk="0" hangingPunct="1">
+              <a:lnSpc>
+                <a:spcPct val="90000"/>
+              </a:lnSpc>
+              <a:spcBef>
+                <a:spcPts val="500"/>
+              </a:spcBef>
+              <a:buFont typeface="Arial" panose="020B0604020202020204" pitchFamily="34" charset="0"/>
+              <a:buChar char="•"/>
+              <a:defRPr sz="2000" kern="1200">
+                <a:solidFill>
+                  <a:schemeClr val="tx1"/>
+                </a:solidFill>
+                <a:latin typeface="+mn-lt"/>
+                <a:ea typeface="+mn-ea"/>
+                <a:cs typeface="+mn-cs"/>
+              </a:defRPr>
+            </a:lvl3pPr>
+            <a:lvl4pPr marL="1600200" indent="-228600" algn="l" defTabSz="914400" rtl="0" eaLnBrk="1" latinLnBrk="0" hangingPunct="1">
+              <a:lnSpc>
+                <a:spcPct val="90000"/>
+              </a:lnSpc>
+              <a:spcBef>
+                <a:spcPts val="500"/>
+              </a:spcBef>
+              <a:buFont typeface="Arial" panose="020B0604020202020204" pitchFamily="34" charset="0"/>
+              <a:buChar char="•"/>
+              <a:defRPr sz="1800" kern="1200">
+                <a:solidFill>
+                  <a:schemeClr val="tx1"/>
+                </a:solidFill>
+                <a:latin typeface="+mn-lt"/>
+                <a:ea typeface="+mn-ea"/>
+                <a:cs typeface="+mn-cs"/>
+              </a:defRPr>
+            </a:lvl4pPr>
+            <a:lvl5pPr marL="2057400" indent="-228600" algn="l" defTabSz="914400" rtl="0" eaLnBrk="1" latinLnBrk="0" hangingPunct="1">
+              <a:lnSpc>
+                <a:spcPct val="90000"/>
+              </a:lnSpc>
+              <a:spcBef>
+                <a:spcPts val="500"/>
+              </a:spcBef>
+              <a:buFont typeface="Arial" panose="020B0604020202020204" pitchFamily="34" charset="0"/>
+              <a:buChar char="•"/>
+              <a:defRPr sz="1800" kern="1200">
+                <a:solidFill>
+                  <a:schemeClr val="tx1"/>
+                </a:solidFill>
+                <a:latin typeface="+mn-lt"/>
+                <a:ea typeface="+mn-ea"/>
+                <a:cs typeface="+mn-cs"/>
+              </a:defRPr>
+            </a:lvl5pPr>
+            <a:lvl6pPr marL="2514600" indent="-228600" algn="l" defTabSz="914400" rtl="0" eaLnBrk="1" latinLnBrk="0" hangingPunct="1">
+              <a:lnSpc>
+                <a:spcPct val="90000"/>
+              </a:lnSpc>
+              <a:spcBef>
+                <a:spcPts val="500"/>
+              </a:spcBef>
+              <a:buFont typeface="Arial" panose="020B0604020202020204" pitchFamily="34" charset="0"/>
+              <a:buChar char="•"/>
+              <a:defRPr sz="1800" kern="1200">
+                <a:solidFill>
+                  <a:schemeClr val="tx1"/>
+                </a:solidFill>
+                <a:latin typeface="+mn-lt"/>
+                <a:ea typeface="+mn-ea"/>
+                <a:cs typeface="+mn-cs"/>
+              </a:defRPr>
+            </a:lvl6pPr>
+            <a:lvl7pPr marL="2971800" indent="-228600" algn="l" defTabSz="914400" rtl="0" eaLnBrk="1" latinLnBrk="0" hangingPunct="1">
+              <a:lnSpc>
+                <a:spcPct val="90000"/>
+              </a:lnSpc>
+              <a:spcBef>
+                <a:spcPts val="500"/>
+              </a:spcBef>
+              <a:buFont typeface="Arial" panose="020B0604020202020204" pitchFamily="34" charset="0"/>
+              <a:buChar char="•"/>
+              <a:defRPr sz="1800" kern="1200">
+                <a:solidFill>
+                  <a:schemeClr val="tx1"/>
+                </a:solidFill>
+                <a:latin typeface="+mn-lt"/>
+                <a:ea typeface="+mn-ea"/>
+                <a:cs typeface="+mn-cs"/>
+              </a:defRPr>
+            </a:lvl7pPr>
+            <a:lvl8pPr marL="3429000" indent="-228600" algn="l" defTabSz="914400" rtl="0" eaLnBrk="1" latinLnBrk="0" hangingPunct="1">
+              <a:lnSpc>
+                <a:spcPct val="90000"/>
+              </a:lnSpc>
+              <a:spcBef>
+                <a:spcPts val="500"/>
+              </a:spcBef>
+              <a:buFont typeface="Arial" panose="020B0604020202020204" pitchFamily="34" charset="0"/>
+              <a:buChar char="•"/>
+              <a:defRPr sz="1800" kern="1200">
+                <a:solidFill>
+                  <a:schemeClr val="tx1"/>
+                </a:solidFill>
+                <a:latin typeface="+mn-lt"/>
+                <a:ea typeface="+mn-ea"/>
+                <a:cs typeface="+mn-cs"/>
+              </a:defRPr>
+            </a:lvl8pPr>
+            <a:lvl9pPr marL="3886200" indent="-228600" algn="l" defTabSz="914400" rtl="0" eaLnBrk="1" latinLnBrk="0" hangingPunct="1">
+              <a:lnSpc>
+                <a:spcPct val="90000"/>
+              </a:lnSpc>
+              <a:spcBef>
+                <a:spcPts val="500"/>
+              </a:spcBef>
+              <a:buFont typeface="Arial" panose="020B0604020202020204" pitchFamily="34" charset="0"/>
+              <a:buChar char="•"/>
+              <a:defRPr sz="1800" kern="1200">
+                <a:solidFill>
+                  <a:schemeClr val="tx1"/>
+                </a:solidFill>
+                <a:latin typeface="+mn-lt"/>
+                <a:ea typeface="+mn-ea"/>
+                <a:cs typeface="+mn-cs"/>
+              </a:defRPr>
+            </a:lvl9pPr>
+          </a:lstStyle>
+          <a:p>
+            <a:pPr marL="0" indent="0" algn="ctr">
+              <a:buNone/>
+            </a:pPr>
+            <a:r>
+              <a:rPr lang="" altLang="en-US" sz="6600" b="1">
+                <a:ln>
+                  <a:noFill/>
+                </a:ln>
+                <a:solidFill>
+                  <a:schemeClr val="bg1"/>
+                </a:solidFill>
+                <a:effectLst>
+                  <a:outerShdw dist="114300" dir="18900000" algn="bl" rotWithShape="0">
+                    <a:srgbClr val="221E20">
+                      <a:alpha val="100000"/>
+                    </a:srgbClr>
+                  </a:outerShdw>
+                </a:effectLst>
+                <a:latin typeface="Ubuntu" panose="020B0604030602030204" charset="0"/>
+                <a:ea typeface="Ubuntu" panose="020B0604030602030204" charset="0"/>
+              </a:rPr>
+              <a:t>PRA ONDE IR?</a:t>
+            </a:r>
+            <a:endParaRPr lang="" altLang="en-US" sz="6600" b="1">
+              <a:ln>
+                <a:noFill/>
+              </a:ln>
+              <a:solidFill>
+                <a:schemeClr val="bg1"/>
+              </a:solidFill>
+              <a:effectLst>
+                <a:outerShdw dist="114300" dir="18900000" algn="bl" rotWithShape="0">
+                  <a:srgbClr val="221E20">
+                    <a:alpha val="100000"/>
+                  </a:srgbClr>
+                </a:outerShdw>
+              </a:effectLst>
+              <a:latin typeface="Ubuntu" panose="020B0604030602030204" charset="0"/>
+              <a:ea typeface="Ubuntu" panose="020B0604030602030204" charset="0"/>
+            </a:endParaRPr>
+          </a:p>
+        </p:txBody>
+      </p:sp>
+    </p:spTree>
+  </p:cSld>
+  <p:clrMapOvr>
+    <a:masterClrMapping/>
+  </p:clrMapOvr>
+</p:sld>
+</file>
+
+<file path=ppt/slides/slide3.xml><?xml version="1.0" encoding="utf-8"?>
+<p:sld xmlns:a="http://schemas.openxmlformats.org/drawingml/2006/main" xmlns:r="http://schemas.openxmlformats.org/officeDocument/2006/relationships" xmlns:p="http://schemas.openxmlformats.org/presentationml/2006/main">
+  <p:cSld>
+    <p:bg>
+      <p:bgPr>
+        <a:solidFill>
+          <a:srgbClr val="58D1A8"/>
+        </a:solidFill>
+        <a:effectLst/>
+      </p:bgPr>
+    </p:bg>
+    <p:spTree>
+      <p:nvGrpSpPr>
+        <p:cNvPr id="1" name=""/>
+        <p:cNvGrpSpPr/>
+        <p:nvPr/>
+      </p:nvGrpSpPr>
+      <p:grpSpPr/>
+      <p:sp>
+        <p:nvSpPr>
+          <p:cNvPr id="2" name="Title 1"/>
+          <p:cNvSpPr>
+            <a:spLocks noGrp="1"/>
+          </p:cNvSpPr>
+          <p:nvPr>
+            <p:ph type="title"/>
+          </p:nvPr>
+        </p:nvSpPr>
+        <p:spPr/>
+        <p:txBody>
+          <a:bodyPr/>
+          <a:p>
+            <a:r>
+              <a:rPr lang="en-US" altLang="en-US">
+                <a:latin typeface="Ubuntu" panose="020B0604030602030204" charset="0"/>
+                <a:ea typeface="Ubuntu" panose="020B0604030602030204" charset="0"/>
+              </a:rPr>
+              <a:t>Etapas</a:t>
+            </a:r>
+            <a:endParaRPr lang="en-US" altLang="en-US">
+              <a:latin typeface="Ubuntu" panose="020B0604030602030204" charset="0"/>
+              <a:ea typeface="Ubuntu" panose="020B0604030602030204" charset="0"/>
+            </a:endParaRPr>
+          </a:p>
+        </p:txBody>
+      </p:sp>
+      <p:sp>
+        <p:nvSpPr>
+          <p:cNvPr id="3" name="Content Placeholder 2"/>
+          <p:cNvSpPr>
+            <a:spLocks noGrp="1"/>
+          </p:cNvSpPr>
+          <p:nvPr>
+            <p:ph idx="1"/>
+          </p:nvPr>
+        </p:nvSpPr>
+        <p:spPr/>
+        <p:txBody>
+          <a:bodyPr/>
+          <a:p>
+            <a:pPr marL="514350" indent="-514350">
+              <a:buAutoNum type="arabicPeriod"/>
+            </a:pPr>
+            <a:r>
+              <a:rPr lang="en-US" altLang="en-US" sz="3600">
+                <a:latin typeface="Ubuntu" panose="020B0604030602030204" charset="0"/>
+                <a:ea typeface="Ubuntu" panose="020B0604030602030204" charset="0"/>
+              </a:rPr>
+              <a:t>Preparação do Ambiente</a:t>
+            </a:r>
+            <a:endParaRPr lang="en-US" altLang="en-US" sz="3600">
+              <a:latin typeface="Ubuntu" panose="020B0604030602030204" charset="0"/>
+              <a:ea typeface="Ubuntu" panose="020B0604030602030204" charset="0"/>
+            </a:endParaRPr>
+          </a:p>
+          <a:p>
+            <a:pPr marL="514350" indent="-514350">
+              <a:buAutoNum type="arabicPeriod"/>
+            </a:pPr>
+            <a:r>
+              <a:rPr lang="en-US" altLang="en-US" sz="3600">
+                <a:latin typeface="Ubuntu" panose="020B0604030602030204" charset="0"/>
+                <a:ea typeface="Ubuntu" panose="020B0604030602030204" charset="0"/>
+              </a:rPr>
+              <a:t>Raspagem de Site (web scraping)</a:t>
+            </a:r>
+            <a:endParaRPr lang="en-US" altLang="en-US" sz="3600">
+              <a:latin typeface="Ubuntu" panose="020B0604030602030204" charset="0"/>
+              <a:ea typeface="Ubuntu" panose="020B0604030602030204" charset="0"/>
+            </a:endParaRPr>
+          </a:p>
+          <a:p>
+            <a:pPr marL="514350" indent="-514350">
+              <a:buAutoNum type="arabicPeriod"/>
+            </a:pPr>
+            <a:r>
+              <a:rPr lang="en-US" altLang="en-US" sz="3600">
+                <a:latin typeface="Ubuntu" panose="020B0604030602030204" charset="0"/>
+                <a:ea typeface="Ubuntu" panose="020B0604030602030204" charset="0"/>
+              </a:rPr>
+              <a:t>Mineração de Dados (text mining)</a:t>
+            </a:r>
+            <a:endParaRPr lang="en-US" altLang="en-US" sz="3600">
+              <a:latin typeface="Ubuntu" panose="020B0604030602030204" charset="0"/>
+              <a:ea typeface="Ubuntu" panose="020B0604030602030204" charset="0"/>
+            </a:endParaRPr>
+          </a:p>
+          <a:p>
+            <a:pPr marL="514350" indent="-514350">
+              <a:buAutoNum type="arabicPeriod"/>
+            </a:pPr>
+            <a:r>
+              <a:rPr lang="en-US" altLang="en-US" sz="3600">
+                <a:latin typeface="Ubuntu" panose="020B0604030602030204" charset="0"/>
+                <a:ea typeface="Ubuntu" panose="020B0604030602030204" charset="0"/>
+              </a:rPr>
+              <a:t>Montagem da Agenda (função de custo)</a:t>
+            </a:r>
+            <a:endParaRPr lang="en-US" altLang="en-US" sz="3600">
+              <a:latin typeface="Ubuntu" panose="020B0604030602030204" charset="0"/>
+              <a:ea typeface="Ubuntu" panose="020B0604030602030204" charset="0"/>
+            </a:endParaRPr>
+          </a:p>
+        </p:txBody>
+      </p:sp>
+      <p:pic>
+        <p:nvPicPr>
+          <p:cNvPr id="5" name="Picture 4" descr="Machine-Learning-hero"/>
+          <p:cNvPicPr>
+            <a:picLocks noChangeAspect="1"/>
+          </p:cNvPicPr>
+          <p:nvPr/>
+        </p:nvPicPr>
+        <p:blipFill>
+          <a:blip r:embed="rId1"/>
+          <a:stretch>
+            <a:fillRect/>
+          </a:stretch>
+        </p:blipFill>
+        <p:spPr>
+          <a:xfrm>
+            <a:off x="9098280" y="3980180"/>
+            <a:ext cx="3291840" cy="3016885"/>
+          </a:xfrm>
+          <a:prstGeom prst="rect">
+            <a:avLst/>
+          </a:prstGeom>
+        </p:spPr>
+      </p:pic>
     </p:spTree>
   </p:cSld>
   <p:clrMapOvr>
@@ -2971,9 +3767,37 @@
         <p:nvPr/>
       </p:nvGrpSpPr>
       <p:grpSpPr/>
+      <p:sp>
+        <p:nvSpPr>
+          <p:cNvPr id="2" name="Title 1"/>
+          <p:cNvSpPr>
+            <a:spLocks noGrp="1"/>
+          </p:cNvSpPr>
+          <p:nvPr>
+            <p:ph type="title"/>
+          </p:nvPr>
+        </p:nvSpPr>
+        <p:spPr/>
+        <p:txBody>
+          <a:bodyPr/>
+          <a:p>
+            <a:r>
+              <a:rPr lang="en-US" altLang="en-US">
+                <a:latin typeface="Ubuntu" panose="020B0604030602030204" charset="0"/>
+                <a:ea typeface="Ubuntu" panose="020B0604030602030204" charset="0"/>
+              </a:rPr>
+              <a:t>1. Preparação do Ambiente</a:t>
+            </a:r>
+            <a:endParaRPr lang="en-US" altLang="en-US">
+              <a:latin typeface="Ubuntu" panose="020B0604030602030204" charset="0"/>
+              <a:ea typeface="Ubuntu" panose="020B0604030602030204" charset="0"/>
+            </a:endParaRPr>
+          </a:p>
+        </p:txBody>
+      </p:sp>
       <p:pic>
         <p:nvPicPr>
-          <p:cNvPr id="4" name="Picture 3" descr="/home/mourao/Imagens/800px_COLOURBOX30228400.png800px_COLOURBOX30228400"/>
+          <p:cNvPr id="5" name="Picture 4" descr="virtualenv"/>
           <p:cNvPicPr>
             <a:picLocks noChangeAspect="1"/>
           </p:cNvPicPr>
@@ -2981,15 +3805,14 @@
         </p:nvPicPr>
         <p:blipFill>
           <a:blip r:embed="rId1"/>
-          <a:srcRect/>
           <a:stretch>
             <a:fillRect/>
           </a:stretch>
         </p:blipFill>
         <p:spPr>
           <a:xfrm>
-            <a:off x="151765" y="456883"/>
-            <a:ext cx="11888470" cy="5944235"/>
+            <a:off x="2846705" y="2104073"/>
+            <a:ext cx="6498590" cy="2649855"/>
           </a:xfrm>
           <a:prstGeom prst="rect">
             <a:avLst/>
@@ -3022,9 +3845,38 @@
         <p:nvPr/>
       </p:nvGrpSpPr>
       <p:grpSpPr/>
+      <p:sp>
+        <p:nvSpPr>
+          <p:cNvPr id="2" name="Title 1"/>
+          <p:cNvSpPr>
+            <a:spLocks noGrp="1"/>
+          </p:cNvSpPr>
+          <p:nvPr>
+            <p:ph type="title"/>
+          </p:nvPr>
+        </p:nvSpPr>
+        <p:spPr/>
+        <p:txBody>
+          <a:bodyPr/>
+          <a:p>
+            <a:r>
+              <a:rPr lang="en-US" altLang="en-US">
+                <a:latin typeface="Ubuntu" panose="020B0604030602030204" charset="0"/>
+                <a:ea typeface="Ubuntu" panose="020B0604030602030204" charset="0"/>
+                <a:sym typeface="+mn-ea"/>
+              </a:rPr>
+              <a:t>2. Raspagem de Site (web scraping)</a:t>
+            </a:r>
+            <a:endParaRPr lang="en-US" altLang="en-US">
+              <a:latin typeface="Ubuntu" panose="020B0604030602030204" charset="0"/>
+              <a:ea typeface="Ubuntu" panose="020B0604030602030204" charset="0"/>
+            </a:endParaRPr>
+          </a:p>
+        </p:txBody>
+      </p:sp>
       <p:pic>
         <p:nvPicPr>
-          <p:cNvPr id="4" name="Picture 3" descr="277-2778571_python-clipart-mean-python-logo-black-and-white"/>
+          <p:cNvPr id="5" name="Picture 4" descr="scraper-cetesb"/>
           <p:cNvPicPr>
             <a:picLocks noChangeAspect="1"/>
           </p:cNvPicPr>
@@ -3038,8 +3890,8 @@
         </p:blipFill>
         <p:spPr>
           <a:xfrm>
-            <a:off x="2939415" y="121920"/>
-            <a:ext cx="6313170" cy="6614160"/>
+            <a:off x="1810385" y="1575118"/>
+            <a:ext cx="8571230" cy="3707765"/>
           </a:xfrm>
           <a:prstGeom prst="rect">
             <a:avLst/>
@@ -3090,315 +3942,9 @@
               <a:rPr lang="en-US" altLang="en-US">
                 <a:latin typeface="Ubuntu" panose="020B0604030602030204" charset="0"/>
                 <a:ea typeface="Ubuntu" panose="020B0604030602030204" charset="0"/>
-              </a:rPr>
-              <a:t>Etapas</a:t>
-            </a:r>
-            <a:endParaRPr lang="en-US" altLang="en-US">
-              <a:latin typeface="Ubuntu" panose="020B0604030602030204" charset="0"/>
-              <a:ea typeface="Ubuntu" panose="020B0604030602030204" charset="0"/>
-            </a:endParaRPr>
-          </a:p>
-        </p:txBody>
-      </p:sp>
-      <p:sp>
-        <p:nvSpPr>
-          <p:cNvPr id="3" name="Content Placeholder 2"/>
-          <p:cNvSpPr>
-            <a:spLocks noGrp="1"/>
-          </p:cNvSpPr>
-          <p:nvPr>
-            <p:ph idx="1"/>
-          </p:nvPr>
-        </p:nvSpPr>
-        <p:spPr/>
-        <p:txBody>
-          <a:bodyPr/>
-          <a:p>
-            <a:pPr marL="514350" indent="-514350">
-              <a:buAutoNum type="arabicPeriod"/>
-            </a:pPr>
-            <a:r>
-              <a:rPr lang="en-US" altLang="en-US" sz="3600">
-                <a:latin typeface="Ubuntu" panose="020B0604030602030204" charset="0"/>
-                <a:ea typeface="Ubuntu" panose="020B0604030602030204" charset="0"/>
-              </a:rPr>
-              <a:t>Preparação do Ambiente</a:t>
-            </a:r>
-            <a:endParaRPr lang="en-US" altLang="en-US" sz="3600">
-              <a:latin typeface="Ubuntu" panose="020B0604030602030204" charset="0"/>
-              <a:ea typeface="Ubuntu" panose="020B0604030602030204" charset="0"/>
-            </a:endParaRPr>
-          </a:p>
-          <a:p>
-            <a:pPr marL="514350" indent="-514350">
-              <a:buAutoNum type="arabicPeriod"/>
-            </a:pPr>
-            <a:r>
-              <a:rPr lang="en-US" altLang="en-US" sz="3600">
-                <a:latin typeface="Ubuntu" panose="020B0604030602030204" charset="0"/>
-                <a:ea typeface="Ubuntu" panose="020B0604030602030204" charset="0"/>
-              </a:rPr>
-              <a:t>Raspagem de Site (web scraping)</a:t>
-            </a:r>
-            <a:endParaRPr lang="en-US" altLang="en-US" sz="3600">
-              <a:latin typeface="Ubuntu" panose="020B0604030602030204" charset="0"/>
-              <a:ea typeface="Ubuntu" panose="020B0604030602030204" charset="0"/>
-            </a:endParaRPr>
-          </a:p>
-          <a:p>
-            <a:pPr marL="514350" indent="-514350">
-              <a:buAutoNum type="arabicPeriod"/>
-            </a:pPr>
-            <a:r>
-              <a:rPr lang="en-US" altLang="en-US" sz="3600">
-                <a:latin typeface="Ubuntu" panose="020B0604030602030204" charset="0"/>
-                <a:ea typeface="Ubuntu" panose="020B0604030602030204" charset="0"/>
-              </a:rPr>
-              <a:t>Mineração de Dados (text mining)</a:t>
-            </a:r>
-            <a:endParaRPr lang="en-US" altLang="en-US" sz="3600">
-              <a:latin typeface="Ubuntu" panose="020B0604030602030204" charset="0"/>
-              <a:ea typeface="Ubuntu" panose="020B0604030602030204" charset="0"/>
-            </a:endParaRPr>
-          </a:p>
-          <a:p>
-            <a:pPr marL="514350" indent="-514350">
-              <a:buAutoNum type="arabicPeriod"/>
-            </a:pPr>
-            <a:r>
-              <a:rPr lang="en-US" altLang="en-US" sz="3600">
-                <a:latin typeface="Ubuntu" panose="020B0604030602030204" charset="0"/>
-                <a:ea typeface="Ubuntu" panose="020B0604030602030204" charset="0"/>
-              </a:rPr>
-              <a:t>Montagem da Agenda (função de custo)</a:t>
-            </a:r>
-            <a:endParaRPr lang="en-US" altLang="en-US" sz="3600">
-              <a:latin typeface="Ubuntu" panose="020B0604030602030204" charset="0"/>
-              <a:ea typeface="Ubuntu" panose="020B0604030602030204" charset="0"/>
-            </a:endParaRPr>
-          </a:p>
-        </p:txBody>
-      </p:sp>
-    </p:spTree>
-  </p:cSld>
-  <p:clrMapOvr>
-    <a:masterClrMapping/>
-  </p:clrMapOvr>
-</p:sld>
-</file>
-
-<file path=ppt/slides/slide7.xml><?xml version="1.0" encoding="utf-8"?>
-<p:sld xmlns:a="http://schemas.openxmlformats.org/drawingml/2006/main" xmlns:r="http://schemas.openxmlformats.org/officeDocument/2006/relationships" xmlns:p="http://schemas.openxmlformats.org/presentationml/2006/main">
-  <p:cSld>
-    <p:bg>
-      <p:bgPr>
-        <a:solidFill>
-          <a:srgbClr val="58D1A8"/>
-        </a:solidFill>
-        <a:effectLst/>
-      </p:bgPr>
-    </p:bg>
-    <p:spTree>
-      <p:nvGrpSpPr>
-        <p:cNvPr id="1" name=""/>
-        <p:cNvGrpSpPr/>
-        <p:nvPr/>
-      </p:nvGrpSpPr>
-      <p:grpSpPr/>
-      <p:sp>
-        <p:nvSpPr>
-          <p:cNvPr id="2" name="Title 1"/>
-          <p:cNvSpPr>
-            <a:spLocks noGrp="1"/>
-          </p:cNvSpPr>
-          <p:nvPr>
-            <p:ph type="title"/>
-          </p:nvPr>
-        </p:nvSpPr>
-        <p:spPr/>
-        <p:txBody>
-          <a:bodyPr/>
-          <a:p>
-            <a:r>
-              <a:rPr lang="" altLang="en-US">
-                <a:latin typeface="Ubuntu" panose="020B0604030602030204" charset="0"/>
-                <a:ea typeface="Ubuntu" panose="020B0604030602030204" charset="0"/>
-              </a:rPr>
-              <a:t>1. Preparação do Ambiente</a:t>
-            </a:r>
-            <a:endParaRPr lang="" altLang="en-US">
-              <a:latin typeface="Ubuntu" panose="020B0604030602030204" charset="0"/>
-              <a:ea typeface="Ubuntu" panose="020B0604030602030204" charset="0"/>
-            </a:endParaRPr>
-          </a:p>
-        </p:txBody>
-      </p:sp>
-      <p:pic>
-        <p:nvPicPr>
-          <p:cNvPr id="5" name="Picture 4" descr="virtualenv"/>
-          <p:cNvPicPr>
-            <a:picLocks noChangeAspect="1"/>
-          </p:cNvPicPr>
-          <p:nvPr/>
-        </p:nvPicPr>
-        <p:blipFill>
-          <a:blip r:embed="rId1"/>
-          <a:stretch>
-            <a:fillRect/>
-          </a:stretch>
-        </p:blipFill>
-        <p:spPr>
-          <a:xfrm>
-            <a:off x="2846705" y="2104073"/>
-            <a:ext cx="6498590" cy="2649855"/>
-          </a:xfrm>
-          <a:prstGeom prst="rect">
-            <a:avLst/>
-          </a:prstGeom>
-        </p:spPr>
-      </p:pic>
-    </p:spTree>
-  </p:cSld>
-  <p:clrMapOvr>
-    <a:masterClrMapping/>
-  </p:clrMapOvr>
-</p:sld>
-</file>
-
-<file path=ppt/slides/slide8.xml><?xml version="1.0" encoding="utf-8"?>
-<p:sld xmlns:a="http://schemas.openxmlformats.org/drawingml/2006/main" xmlns:r="http://schemas.openxmlformats.org/officeDocument/2006/relationships" xmlns:p="http://schemas.openxmlformats.org/presentationml/2006/main">
-  <p:cSld>
-    <p:bg>
-      <p:bgPr>
-        <a:solidFill>
-          <a:srgbClr val="58D1A8"/>
-        </a:solidFill>
-        <a:effectLst/>
-      </p:bgPr>
-    </p:bg>
-    <p:spTree>
-      <p:nvGrpSpPr>
-        <p:cNvPr id="1" name=""/>
-        <p:cNvGrpSpPr/>
-        <p:nvPr/>
-      </p:nvGrpSpPr>
-      <p:grpSpPr/>
-      <p:sp>
-        <p:nvSpPr>
-          <p:cNvPr id="2" name="Title 1"/>
-          <p:cNvSpPr>
-            <a:spLocks noGrp="1"/>
-          </p:cNvSpPr>
-          <p:nvPr>
-            <p:ph type="title"/>
-          </p:nvPr>
-        </p:nvSpPr>
-        <p:spPr/>
-        <p:txBody>
-          <a:bodyPr/>
-          <a:p>
-            <a:r>
-              <a:rPr lang="" altLang="en-US">
-                <a:latin typeface="Ubuntu" panose="020B0604030602030204" charset="0"/>
-                <a:ea typeface="Ubuntu" panose="020B0604030602030204" charset="0"/>
                 <a:sym typeface="+mn-ea"/>
               </a:rPr>
-              <a:t>2. </a:t>
-            </a:r>
-            <a:r>
-              <a:rPr lang="en-US" altLang="en-US">
-                <a:latin typeface="Ubuntu" panose="020B0604030602030204" charset="0"/>
-                <a:ea typeface="Ubuntu" panose="020B0604030602030204" charset="0"/>
-                <a:sym typeface="+mn-ea"/>
-              </a:rPr>
-              <a:t>Raspagem de Site (web scraping)</a:t>
-            </a:r>
-            <a:endParaRPr lang="en-US" altLang="en-US">
-              <a:latin typeface="Ubuntu" panose="020B0604030602030204" charset="0"/>
-              <a:ea typeface="Ubuntu" panose="020B0604030602030204" charset="0"/>
-            </a:endParaRPr>
-          </a:p>
-        </p:txBody>
-      </p:sp>
-      <p:pic>
-        <p:nvPicPr>
-          <p:cNvPr id="5" name="Picture 4" descr="scraper-cetesb"/>
-          <p:cNvPicPr>
-            <a:picLocks noChangeAspect="1"/>
-          </p:cNvPicPr>
-          <p:nvPr/>
-        </p:nvPicPr>
-        <p:blipFill>
-          <a:blip r:embed="rId1"/>
-          <a:stretch>
-            <a:fillRect/>
-          </a:stretch>
-        </p:blipFill>
-        <p:spPr>
-          <a:xfrm>
-            <a:off x="1810385" y="1575118"/>
-            <a:ext cx="8571230" cy="3707765"/>
-          </a:xfrm>
-          <a:prstGeom prst="rect">
-            <a:avLst/>
-          </a:prstGeom>
-        </p:spPr>
-      </p:pic>
-    </p:spTree>
-  </p:cSld>
-  <p:clrMapOvr>
-    <a:masterClrMapping/>
-  </p:clrMapOvr>
-</p:sld>
-</file>
-
-<file path=ppt/slides/slide9.xml><?xml version="1.0" encoding="utf-8"?>
-<p:sld xmlns:a="http://schemas.openxmlformats.org/drawingml/2006/main" xmlns:r="http://schemas.openxmlformats.org/officeDocument/2006/relationships" xmlns:p="http://schemas.openxmlformats.org/presentationml/2006/main">
-  <p:cSld>
-    <p:bg>
-      <p:bgPr>
-        <a:solidFill>
-          <a:srgbClr val="58D1A8"/>
-        </a:solidFill>
-        <a:effectLst/>
-      </p:bgPr>
-    </p:bg>
-    <p:spTree>
-      <p:nvGrpSpPr>
-        <p:cNvPr id="1" name=""/>
-        <p:cNvGrpSpPr/>
-        <p:nvPr/>
-      </p:nvGrpSpPr>
-      <p:grpSpPr/>
-      <p:sp>
-        <p:nvSpPr>
-          <p:cNvPr id="2" name="Title 1"/>
-          <p:cNvSpPr>
-            <a:spLocks noGrp="1"/>
-          </p:cNvSpPr>
-          <p:nvPr>
-            <p:ph type="title"/>
-          </p:nvPr>
-        </p:nvSpPr>
-        <p:spPr/>
-        <p:txBody>
-          <a:bodyPr/>
-          <a:p>
-            <a:r>
-              <a:rPr lang="" altLang="en-US">
-                <a:latin typeface="Ubuntu" panose="020B0604030602030204" charset="0"/>
-                <a:ea typeface="Ubuntu" panose="020B0604030602030204" charset="0"/>
-                <a:sym typeface="+mn-ea"/>
-              </a:rPr>
-              <a:t>3. </a:t>
-            </a:r>
-            <a:r>
-              <a:rPr lang="en-US" altLang="en-US">
-                <a:latin typeface="Ubuntu" panose="020B0604030602030204" charset="0"/>
-                <a:ea typeface="Ubuntu" panose="020B0604030602030204" charset="0"/>
-                <a:sym typeface="+mn-ea"/>
-              </a:rPr>
-              <a:t>Mineração de Dados (text mining)</a:t>
+              <a:t>3. Mineração de Dados (text mining)</a:t>
             </a:r>
             <a:endParaRPr lang="en-US" altLang="en-US">
               <a:latin typeface="Ubuntu" panose="020B0604030602030204" charset="0"/>
@@ -3504,13 +4050,13 @@
               <a:buNone/>
             </a:pPr>
             <a:r>
-              <a:rPr lang="" altLang="en-US" sz="2000">
+              <a:rPr lang="en-US" altLang="en-US" sz="2000">
                 <a:latin typeface="Ubuntu" panose="020B0604030602030204" charset="0"/>
                 <a:ea typeface="Ubuntu" panose="020B0604030602030204" charset="0"/>
               </a:rPr>
               <a:t>Alta Ocorrência</a:t>
             </a:r>
-            <a:endParaRPr lang="" altLang="en-US" sz="2000">
+            <a:endParaRPr lang="en-US" altLang="en-US" sz="2000">
               <a:latin typeface="Ubuntu" panose="020B0604030602030204" charset="0"/>
               <a:ea typeface="Ubuntu" panose="020B0604030602030204" charset="0"/>
             </a:endParaRPr>
@@ -3707,18 +4253,11 @@
               <a:buNone/>
             </a:pPr>
             <a:r>
-              <a:rPr lang="" altLang="en-US" sz="2000">
-                <a:latin typeface="Ubuntu" panose="020B0604030602030204" charset="0"/>
-                <a:ea typeface="Ubuntu" panose="020B0604030602030204" charset="0"/>
-              </a:rPr>
-              <a:t>Baixa</a:t>
-            </a:r>
-            <a:r>
               <a:rPr lang="en-US" altLang="en-US" sz="2000">
                 <a:latin typeface="Ubuntu" panose="020B0604030602030204" charset="0"/>
                 <a:ea typeface="Ubuntu" panose="020B0604030602030204" charset="0"/>
               </a:rPr>
-              <a:t> Ocorrência</a:t>
+              <a:t>Baixa Ocorrência</a:t>
             </a:r>
             <a:endParaRPr lang="en-US" altLang="en-US" sz="2000">
               <a:latin typeface="Ubuntu" panose="020B0604030602030204" charset="0"/>
@@ -3915,13 +4454,13 @@
               <a:buNone/>
             </a:pPr>
             <a:r>
-              <a:rPr lang="" altLang="en-US" sz="1800">
+              <a:rPr lang="en-US" altLang="en-US" sz="1800">
                 <a:latin typeface="Ubuntu" panose="020B0604030602030204" charset="0"/>
                 <a:ea typeface="Ubuntu" panose="020B0604030602030204" charset="0"/>
               </a:rPr>
               <a:t>Baixo</a:t>
             </a:r>
-            <a:endParaRPr lang="" altLang="en-US" sz="1800">
+            <a:endParaRPr lang="en-US" altLang="en-US" sz="1800">
               <a:latin typeface="Ubuntu" panose="020B0604030602030204" charset="0"/>
               <a:ea typeface="Ubuntu" panose="020B0604030602030204" charset="0"/>
             </a:endParaRPr>
@@ -3931,13 +4470,13 @@
               <a:buNone/>
             </a:pPr>
             <a:r>
-              <a:rPr lang="" altLang="en-US" sz="1800">
+              <a:rPr lang="en-US" altLang="en-US" sz="1800">
                 <a:latin typeface="Ubuntu" panose="020B0604030602030204" charset="0"/>
                 <a:ea typeface="Ubuntu" panose="020B0604030602030204" charset="0"/>
               </a:rPr>
               <a:t>Valor</a:t>
             </a:r>
-            <a:endParaRPr lang="" altLang="en-US" sz="1800">
+            <a:endParaRPr lang="en-US" altLang="en-US" sz="1800">
               <a:latin typeface="Ubuntu" panose="020B0604030602030204" charset="0"/>
               <a:ea typeface="Ubuntu" panose="020B0604030602030204" charset="0"/>
             </a:endParaRPr>
@@ -4132,13 +4671,13 @@
               <a:buNone/>
             </a:pPr>
             <a:r>
-              <a:rPr lang="" altLang="en-US" sz="1800">
+              <a:rPr lang="en-US" altLang="en-US" sz="1800">
                 <a:latin typeface="Ubuntu" panose="020B0604030602030204" charset="0"/>
                 <a:ea typeface="Ubuntu" panose="020B0604030602030204" charset="0"/>
               </a:rPr>
               <a:t>Alto</a:t>
             </a:r>
-            <a:endParaRPr lang="" altLang="en-US" sz="1800">
+            <a:endParaRPr lang="en-US" altLang="en-US" sz="1800">
               <a:latin typeface="Ubuntu" panose="020B0604030602030204" charset="0"/>
               <a:ea typeface="Ubuntu" panose="020B0604030602030204" charset="0"/>
             </a:endParaRPr>
@@ -4349,13 +4888,13 @@
               <a:buNone/>
             </a:pPr>
             <a:r>
-              <a:rPr lang="" altLang="en-US" sz="1800">
+              <a:rPr lang="en-US" altLang="en-US" sz="1800">
                 <a:latin typeface="Ubuntu" panose="020B0604030602030204" charset="0"/>
                 <a:ea typeface="Ubuntu" panose="020B0604030602030204" charset="0"/>
               </a:rPr>
               <a:t>Stop Words</a:t>
             </a:r>
-            <a:endParaRPr lang="" altLang="en-US" sz="1800">
+            <a:endParaRPr lang="en-US" altLang="en-US" sz="1800">
               <a:latin typeface="Ubuntu" panose="020B0604030602030204" charset="0"/>
               <a:ea typeface="Ubuntu" panose="020B0604030602030204" charset="0"/>
             </a:endParaRPr>
@@ -4550,13 +5089,13 @@
               <a:buNone/>
             </a:pPr>
             <a:r>
-              <a:rPr lang="" altLang="en-US" sz="1800">
+              <a:rPr lang="en-US" altLang="en-US" sz="1800">
                 <a:latin typeface="Ubuntu" panose="020B0604030602030204" charset="0"/>
                 <a:ea typeface="Ubuntu" panose="020B0604030602030204" charset="0"/>
               </a:rPr>
               <a:t>Palavras</a:t>
             </a:r>
-            <a:endParaRPr lang="" altLang="en-US" sz="1800">
+            <a:endParaRPr lang="en-US" altLang="en-US" sz="1800">
               <a:latin typeface="Ubuntu" panose="020B0604030602030204" charset="0"/>
               <a:ea typeface="Ubuntu" panose="020B0604030602030204" charset="0"/>
             </a:endParaRPr>
@@ -4566,7 +5105,7 @@
               <a:buNone/>
             </a:pPr>
             <a:r>
-              <a:rPr lang="" altLang="en-US" sz="1800">
+              <a:rPr lang="en-US" altLang="en-US" sz="1800">
                 <a:latin typeface="Ubuntu" panose="020B0604030602030204" charset="0"/>
                 <a:ea typeface="Ubuntu" panose="020B0604030602030204" charset="0"/>
               </a:rPr>
@@ -4783,13 +5322,13 @@
               <a:buNone/>
             </a:pPr>
             <a:r>
-              <a:rPr lang="" altLang="en-US" sz="1800">
+              <a:rPr lang="en-US" altLang="en-US" sz="1800">
                 <a:latin typeface="Ubuntu" panose="020B0604030602030204" charset="0"/>
                 <a:ea typeface="Ubuntu" panose="020B0604030602030204" charset="0"/>
               </a:rPr>
               <a:t>Raras</a:t>
             </a:r>
-            <a:endParaRPr lang="" altLang="en-US" sz="1800">
+            <a:endParaRPr lang="en-US" altLang="en-US" sz="1800">
               <a:latin typeface="Ubuntu" panose="020B0604030602030204" charset="0"/>
               <a:ea typeface="Ubuntu" panose="020B0604030602030204" charset="0"/>
             </a:endParaRPr>
@@ -4984,7 +5523,7 @@
               <a:buNone/>
             </a:pPr>
             <a:r>
-              <a:rPr lang="" altLang="en-US" sz="1800">
+              <a:rPr lang="en-US" altLang="en-US" sz="1800">
                 <a:solidFill>
                   <a:srgbClr val="FF0000"/>
                 </a:solidFill>
@@ -4993,10 +5532,334 @@
               </a:rPr>
               <a:t>TF-IDF:          0                             1.5                            3.0</a:t>
             </a:r>
-            <a:endParaRPr lang="" altLang="en-US" sz="1800">
+            <a:endParaRPr lang="en-US" altLang="en-US" sz="1800">
               <a:solidFill>
                 <a:srgbClr val="FF0000"/>
               </a:solidFill>
+              <a:latin typeface="Ubuntu" panose="020B0604030602030204" charset="0"/>
+              <a:ea typeface="Ubuntu" panose="020B0604030602030204" charset="0"/>
+            </a:endParaRPr>
+          </a:p>
+        </p:txBody>
+      </p:sp>
+    </p:spTree>
+  </p:cSld>
+  <p:clrMapOvr>
+    <a:masterClrMapping/>
+  </p:clrMapOvr>
+</p:sld>
+</file>
+
+<file path=ppt/slides/slide7.xml><?xml version="1.0" encoding="utf-8"?>
+<p:sld xmlns:a="http://schemas.openxmlformats.org/drawingml/2006/main" xmlns:r="http://schemas.openxmlformats.org/officeDocument/2006/relationships" xmlns:p="http://schemas.openxmlformats.org/presentationml/2006/main">
+  <p:cSld>
+    <p:bg>
+      <p:bgPr>
+        <a:solidFill>
+          <a:srgbClr val="58D1A8"/>
+        </a:solidFill>
+        <a:effectLst/>
+      </p:bgPr>
+    </p:bg>
+    <p:spTree>
+      <p:nvGrpSpPr>
+        <p:cNvPr id="1" name=""/>
+        <p:cNvGrpSpPr/>
+        <p:nvPr/>
+      </p:nvGrpSpPr>
+      <p:grpSpPr/>
+      <p:sp>
+        <p:nvSpPr>
+          <p:cNvPr id="2" name="Title 1"/>
+          <p:cNvSpPr>
+            <a:spLocks noGrp="1"/>
+          </p:cNvSpPr>
+          <p:nvPr>
+            <p:ph type="title"/>
+          </p:nvPr>
+        </p:nvSpPr>
+        <p:spPr/>
+        <p:txBody>
+          <a:bodyPr>
+            <a:normAutofit fontScale="90000"/>
+          </a:bodyPr>
+          <a:p>
+            <a:r>
+              <a:rPr lang="en-US" altLang="en-US">
+                <a:latin typeface="Ubuntu" panose="020B0604030602030204" charset="0"/>
+                <a:ea typeface="Ubuntu" panose="020B0604030602030204" charset="0"/>
+                <a:sym typeface="+mn-ea"/>
+              </a:rPr>
+              <a:t>4. Montagem da Agenda (função de custo)</a:t>
+            </a:r>
+            <a:endParaRPr lang="en-US" altLang="en-US">
+              <a:latin typeface="Ubuntu" panose="020B0604030602030204" charset="0"/>
+              <a:ea typeface="Ubuntu" panose="020B0604030602030204" charset="0"/>
+            </a:endParaRPr>
+          </a:p>
+        </p:txBody>
+      </p:sp>
+      <p:sp>
+        <p:nvSpPr>
+          <p:cNvPr id="9" name="Content Placeholder 8"/>
+          <p:cNvSpPr>
+            <a:spLocks noGrp="1"/>
+          </p:cNvSpPr>
+          <p:nvPr>
+            <p:ph idx="1"/>
+          </p:nvPr>
+        </p:nvSpPr>
+        <p:spPr>
+          <a:xfrm>
+            <a:off x="1446530" y="3075623"/>
+            <a:ext cx="9298940" cy="706755"/>
+          </a:xfrm>
+        </p:spPr>
+        <p:txBody>
+          <a:bodyPr>
+            <a:noAutofit/>
+          </a:bodyPr>
+          <a:p>
+            <a:pPr marL="0" indent="0">
+              <a:buNone/>
+            </a:pPr>
+            <a:r>
+              <a:rPr lang="en-US" altLang="en-US" sz="4000" i="1">
+                <a:latin typeface="Ubuntu" panose="020B0604030602030204" charset="0"/>
+                <a:ea typeface="Ubuntu" panose="020B0604030602030204" charset="0"/>
+              </a:rPr>
+              <a:t>Custo = Ranking + Acesso + Distância</a:t>
+            </a:r>
+            <a:endParaRPr lang="en-US" altLang="en-US" sz="4000" i="1">
+              <a:latin typeface="Ubuntu" panose="020B0604030602030204" charset="0"/>
+              <a:ea typeface="Ubuntu" panose="020B0604030602030204" charset="0"/>
+            </a:endParaRPr>
+          </a:p>
+        </p:txBody>
+      </p:sp>
+    </p:spTree>
+  </p:cSld>
+  <p:clrMapOvr>
+    <a:masterClrMapping/>
+  </p:clrMapOvr>
+</p:sld>
+</file>
+
+<file path=ppt/slides/slide8.xml><?xml version="1.0" encoding="utf-8"?>
+<p:sld xmlns:a="http://schemas.openxmlformats.org/drawingml/2006/main" xmlns:r="http://schemas.openxmlformats.org/officeDocument/2006/relationships" xmlns:p="http://schemas.openxmlformats.org/presentationml/2006/main">
+  <p:cSld>
+    <p:bg>
+      <p:bgPr>
+        <a:solidFill>
+          <a:srgbClr val="58D1A8"/>
+        </a:solidFill>
+        <a:effectLst/>
+      </p:bgPr>
+    </p:bg>
+    <p:spTree>
+      <p:nvGrpSpPr>
+        <p:cNvPr id="1" name=""/>
+        <p:cNvGrpSpPr/>
+        <p:nvPr/>
+      </p:nvGrpSpPr>
+      <p:grpSpPr/>
+      <p:sp>
+        <p:nvSpPr>
+          <p:cNvPr id="7" name="Content Placeholder 8"/>
+          <p:cNvSpPr>
+            <a:spLocks noGrp="1"/>
+          </p:cNvSpPr>
+          <p:nvPr/>
+        </p:nvSpPr>
+        <p:spPr>
+          <a:xfrm>
+            <a:off x="902335" y="3075940"/>
+            <a:ext cx="10387330" cy="706755"/>
+          </a:xfrm>
+          <a:prstGeom prst="rect">
+            <a:avLst/>
+          </a:prstGeom>
+        </p:spPr>
+        <p:txBody>
+          <a:bodyPr vert="horz" lIns="91440" tIns="45720" rIns="91440" bIns="45720" rtlCol="0">
+            <a:noAutofit/>
+          </a:bodyPr>
+          <a:lstStyle>
+            <a:lvl1pPr marL="228600" indent="-228600" algn="l" defTabSz="914400" rtl="0" eaLnBrk="1" latinLnBrk="0" hangingPunct="1">
+              <a:lnSpc>
+                <a:spcPct val="90000"/>
+              </a:lnSpc>
+              <a:spcBef>
+                <a:spcPts val="1000"/>
+              </a:spcBef>
+              <a:buFont typeface="Arial" panose="020B0604020202020204" pitchFamily="34" charset="0"/>
+              <a:buChar char="•"/>
+              <a:defRPr sz="2800" kern="1200">
+                <a:solidFill>
+                  <a:schemeClr val="tx1"/>
+                </a:solidFill>
+                <a:latin typeface="+mn-lt"/>
+                <a:ea typeface="+mn-ea"/>
+                <a:cs typeface="+mn-cs"/>
+              </a:defRPr>
+            </a:lvl1pPr>
+            <a:lvl2pPr marL="685800" indent="-228600" algn="l" defTabSz="914400" rtl="0" eaLnBrk="1" latinLnBrk="0" hangingPunct="1">
+              <a:lnSpc>
+                <a:spcPct val="90000"/>
+              </a:lnSpc>
+              <a:spcBef>
+                <a:spcPts val="500"/>
+              </a:spcBef>
+              <a:buFont typeface="Arial" panose="020B0604020202020204" pitchFamily="34" charset="0"/>
+              <a:buChar char="•"/>
+              <a:defRPr sz="2400" kern="1200">
+                <a:solidFill>
+                  <a:schemeClr val="tx1"/>
+                </a:solidFill>
+                <a:latin typeface="+mn-lt"/>
+                <a:ea typeface="+mn-ea"/>
+                <a:cs typeface="+mn-cs"/>
+              </a:defRPr>
+            </a:lvl2pPr>
+            <a:lvl3pPr marL="1143000" indent="-228600" algn="l" defTabSz="914400" rtl="0" eaLnBrk="1" latinLnBrk="0" hangingPunct="1">
+              <a:lnSpc>
+                <a:spcPct val="90000"/>
+              </a:lnSpc>
+              <a:spcBef>
+                <a:spcPts val="500"/>
+              </a:spcBef>
+              <a:buFont typeface="Arial" panose="020B0604020202020204" pitchFamily="34" charset="0"/>
+              <a:buChar char="•"/>
+              <a:defRPr sz="2000" kern="1200">
+                <a:solidFill>
+                  <a:schemeClr val="tx1"/>
+                </a:solidFill>
+                <a:latin typeface="+mn-lt"/>
+                <a:ea typeface="+mn-ea"/>
+                <a:cs typeface="+mn-cs"/>
+              </a:defRPr>
+            </a:lvl3pPr>
+            <a:lvl4pPr marL="1600200" indent="-228600" algn="l" defTabSz="914400" rtl="0" eaLnBrk="1" latinLnBrk="0" hangingPunct="1">
+              <a:lnSpc>
+                <a:spcPct val="90000"/>
+              </a:lnSpc>
+              <a:spcBef>
+                <a:spcPts val="500"/>
+              </a:spcBef>
+              <a:buFont typeface="Arial" panose="020B0604020202020204" pitchFamily="34" charset="0"/>
+              <a:buChar char="•"/>
+              <a:defRPr sz="1800" kern="1200">
+                <a:solidFill>
+                  <a:schemeClr val="tx1"/>
+                </a:solidFill>
+                <a:latin typeface="+mn-lt"/>
+                <a:ea typeface="+mn-ea"/>
+                <a:cs typeface="+mn-cs"/>
+              </a:defRPr>
+            </a:lvl4pPr>
+            <a:lvl5pPr marL="2057400" indent="-228600" algn="l" defTabSz="914400" rtl="0" eaLnBrk="1" latinLnBrk="0" hangingPunct="1">
+              <a:lnSpc>
+                <a:spcPct val="90000"/>
+              </a:lnSpc>
+              <a:spcBef>
+                <a:spcPts val="500"/>
+              </a:spcBef>
+              <a:buFont typeface="Arial" panose="020B0604020202020204" pitchFamily="34" charset="0"/>
+              <a:buChar char="•"/>
+              <a:defRPr sz="1800" kern="1200">
+                <a:solidFill>
+                  <a:schemeClr val="tx1"/>
+                </a:solidFill>
+                <a:latin typeface="+mn-lt"/>
+                <a:ea typeface="+mn-ea"/>
+                <a:cs typeface="+mn-cs"/>
+              </a:defRPr>
+            </a:lvl5pPr>
+            <a:lvl6pPr marL="2514600" indent="-228600" algn="l" defTabSz="914400" rtl="0" eaLnBrk="1" latinLnBrk="0" hangingPunct="1">
+              <a:lnSpc>
+                <a:spcPct val="90000"/>
+              </a:lnSpc>
+              <a:spcBef>
+                <a:spcPts val="500"/>
+              </a:spcBef>
+              <a:buFont typeface="Arial" panose="020B0604020202020204" pitchFamily="34" charset="0"/>
+              <a:buChar char="•"/>
+              <a:defRPr sz="1800" kern="1200">
+                <a:solidFill>
+                  <a:schemeClr val="tx1"/>
+                </a:solidFill>
+                <a:latin typeface="+mn-lt"/>
+                <a:ea typeface="+mn-ea"/>
+                <a:cs typeface="+mn-cs"/>
+              </a:defRPr>
+            </a:lvl6pPr>
+            <a:lvl7pPr marL="2971800" indent="-228600" algn="l" defTabSz="914400" rtl="0" eaLnBrk="1" latinLnBrk="0" hangingPunct="1">
+              <a:lnSpc>
+                <a:spcPct val="90000"/>
+              </a:lnSpc>
+              <a:spcBef>
+                <a:spcPts val="500"/>
+              </a:spcBef>
+              <a:buFont typeface="Arial" panose="020B0604020202020204" pitchFamily="34" charset="0"/>
+              <a:buChar char="•"/>
+              <a:defRPr sz="1800" kern="1200">
+                <a:solidFill>
+                  <a:schemeClr val="tx1"/>
+                </a:solidFill>
+                <a:latin typeface="+mn-lt"/>
+                <a:ea typeface="+mn-ea"/>
+                <a:cs typeface="+mn-cs"/>
+              </a:defRPr>
+            </a:lvl7pPr>
+            <a:lvl8pPr marL="3429000" indent="-228600" algn="l" defTabSz="914400" rtl="0" eaLnBrk="1" latinLnBrk="0" hangingPunct="1">
+              <a:lnSpc>
+                <a:spcPct val="90000"/>
+              </a:lnSpc>
+              <a:spcBef>
+                <a:spcPts val="500"/>
+              </a:spcBef>
+              <a:buFont typeface="Arial" panose="020B0604020202020204" pitchFamily="34" charset="0"/>
+              <a:buChar char="•"/>
+              <a:defRPr sz="1800" kern="1200">
+                <a:solidFill>
+                  <a:schemeClr val="tx1"/>
+                </a:solidFill>
+                <a:latin typeface="+mn-lt"/>
+                <a:ea typeface="+mn-ea"/>
+                <a:cs typeface="+mn-cs"/>
+              </a:defRPr>
+            </a:lvl8pPr>
+            <a:lvl9pPr marL="3886200" indent="-228600" algn="l" defTabSz="914400" rtl="0" eaLnBrk="1" latinLnBrk="0" hangingPunct="1">
+              <a:lnSpc>
+                <a:spcPct val="90000"/>
+              </a:lnSpc>
+              <a:spcBef>
+                <a:spcPts val="500"/>
+              </a:spcBef>
+              <a:buFont typeface="Arial" panose="020B0604020202020204" pitchFamily="34" charset="0"/>
+              <a:buChar char="•"/>
+              <a:defRPr sz="1800" kern="1200">
+                <a:solidFill>
+                  <a:schemeClr val="tx1"/>
+                </a:solidFill>
+                <a:latin typeface="+mn-lt"/>
+                <a:ea typeface="+mn-ea"/>
+                <a:cs typeface="+mn-cs"/>
+              </a:defRPr>
+            </a:lvl9pPr>
+          </a:lstStyle>
+          <a:p>
+            <a:pPr marL="0" indent="0">
+              <a:buNone/>
+            </a:pPr>
+            <a:r>
+              <a:rPr lang="en-US" altLang="en-US" sz="4000" i="1">
+                <a:latin typeface="Ubuntu" panose="020B0604030602030204" charset="0"/>
+                <a:ea typeface="Ubuntu" panose="020B0604030602030204" charset="0"/>
+              </a:rPr>
+              <a:t>https://github.com/rnmourao/sxsw-ai-roster</a:t>
+            </a:r>
+            <a:endParaRPr lang="en-US" altLang="en-US" sz="4000" i="1">
               <a:latin typeface="Ubuntu" panose="020B0604030602030204" charset="0"/>
               <a:ea typeface="Ubuntu" panose="020B0604030602030204" charset="0"/>
             </a:endParaRPr>
